--- a/Thesis/Presentation.pptx
+++ b/Thesis/Presentation.pptx
@@ -9,6 +9,9 @@
     <p:sldId id="257" r:id="rId3"/>
     <p:sldId id="258" r:id="rId4"/>
     <p:sldId id="259" r:id="rId5"/>
+    <p:sldId id="260" r:id="rId6"/>
+    <p:sldId id="261" r:id="rId7"/>
+    <p:sldId id="262" r:id="rId8"/>
   </p:sldIdLst>
   <p:sldSz cx="9144000" cy="6858000" type="screen4x3"/>
   <p:notesSz cx="6858000" cy="9144000"/>
@@ -107,6 +110,22 @@
       </a:defRPr>
     </a:lvl9pPr>
   </p:defaultTextStyle>
+  <p:extLst>
+    <p:ext uri="{EFAFB233-063F-42B5-8137-9DF3F51BA10A}">
+      <p15:sldGuideLst xmlns:p15="http://schemas.microsoft.com/office/powerpoint/2012/main">
+        <p15:guide id="1" orient="horz" pos="2160">
+          <p15:clr>
+            <a:srgbClr val="A4A3A4"/>
+          </p15:clr>
+        </p15:guide>
+        <p15:guide id="2" pos="2880">
+          <p15:clr>
+            <a:srgbClr val="A4A3A4"/>
+          </p15:clr>
+        </p15:guide>
+      </p15:sldGuideLst>
+    </p:ext>
+  </p:extLst>
 </p:presentation>
 </file>
 
@@ -148,10 +167,9 @@
           <a:lstStyle/>
           <a:p>
             <a:r>
-              <a:rPr lang="en-US" smtClean="0"/>
+              <a:rPr lang="en-US"/>
               <a:t>Click to edit Master title style</a:t>
             </a:r>
-            <a:endParaRPr lang="en-US"/>
           </a:p>
         </p:txBody>
       </p:sp>
@@ -267,10 +285,9 @@
           </a:lstStyle>
           <a:p>
             <a:r>
-              <a:rPr lang="en-US" smtClean="0"/>
+              <a:rPr lang="en-US"/>
               <a:t>Click to edit Master subtitle style</a:t>
             </a:r>
-            <a:endParaRPr lang="en-US"/>
           </a:p>
         </p:txBody>
       </p:sp>
@@ -291,7 +308,7 @@
           <a:p>
             <a:fld id="{BFE1333D-8A33-4674-98DB-52C522B29B7B}" type="datetimeFigureOut">
               <a:rPr lang="en-US" smtClean="0"/>
-              <a:t>9/10/2019</a:t>
+              <a:t>9/22/2019</a:t>
             </a:fld>
             <a:endParaRPr lang="en-US"/>
           </a:p>
@@ -385,10 +402,9 @@
           <a:lstStyle/>
           <a:p>
             <a:r>
-              <a:rPr lang="en-US" smtClean="0"/>
+              <a:rPr lang="en-US"/>
               <a:t>Click to edit Master title style</a:t>
             </a:r>
-            <a:endParaRPr lang="en-US"/>
           </a:p>
         </p:txBody>
       </p:sp>
@@ -409,38 +425,37 @@
           <a:p>
             <a:pPr lvl="0"/>
             <a:r>
-              <a:rPr lang="en-US" smtClean="0"/>
+              <a:rPr lang="en-US"/>
               <a:t>Click to edit Master text styles</a:t>
             </a:r>
           </a:p>
           <a:p>
             <a:pPr lvl="1"/>
             <a:r>
-              <a:rPr lang="en-US" smtClean="0"/>
+              <a:rPr lang="en-US"/>
               <a:t>Second level</a:t>
             </a:r>
           </a:p>
           <a:p>
             <a:pPr lvl="2"/>
             <a:r>
-              <a:rPr lang="en-US" smtClean="0"/>
+              <a:rPr lang="en-US"/>
               <a:t>Third level</a:t>
             </a:r>
           </a:p>
           <a:p>
             <a:pPr lvl="3"/>
             <a:r>
-              <a:rPr lang="en-US" smtClean="0"/>
+              <a:rPr lang="en-US"/>
               <a:t>Fourth level</a:t>
             </a:r>
           </a:p>
           <a:p>
             <a:pPr lvl="4"/>
             <a:r>
-              <a:rPr lang="en-US" smtClean="0"/>
+              <a:rPr lang="en-US"/>
               <a:t>Fifth level</a:t>
             </a:r>
-            <a:endParaRPr lang="en-US"/>
           </a:p>
         </p:txBody>
       </p:sp>
@@ -461,7 +476,7 @@
           <a:p>
             <a:fld id="{BFE1333D-8A33-4674-98DB-52C522B29B7B}" type="datetimeFigureOut">
               <a:rPr lang="en-US" smtClean="0"/>
-              <a:t>9/10/2019</a:t>
+              <a:t>9/22/2019</a:t>
             </a:fld>
             <a:endParaRPr lang="en-US"/>
           </a:p>
@@ -560,10 +575,9 @@
           <a:lstStyle/>
           <a:p>
             <a:r>
-              <a:rPr lang="en-US" smtClean="0"/>
+              <a:rPr lang="en-US"/>
               <a:t>Click to edit Master title style</a:t>
             </a:r>
-            <a:endParaRPr lang="en-US"/>
           </a:p>
         </p:txBody>
       </p:sp>
@@ -589,38 +603,37 @@
           <a:p>
             <a:pPr lvl="0"/>
             <a:r>
-              <a:rPr lang="en-US" smtClean="0"/>
+              <a:rPr lang="en-US"/>
               <a:t>Click to edit Master text styles</a:t>
             </a:r>
           </a:p>
           <a:p>
             <a:pPr lvl="1"/>
             <a:r>
-              <a:rPr lang="en-US" smtClean="0"/>
+              <a:rPr lang="en-US"/>
               <a:t>Second level</a:t>
             </a:r>
           </a:p>
           <a:p>
             <a:pPr lvl="2"/>
             <a:r>
-              <a:rPr lang="en-US" smtClean="0"/>
+              <a:rPr lang="en-US"/>
               <a:t>Third level</a:t>
             </a:r>
           </a:p>
           <a:p>
             <a:pPr lvl="3"/>
             <a:r>
-              <a:rPr lang="en-US" smtClean="0"/>
+              <a:rPr lang="en-US"/>
               <a:t>Fourth level</a:t>
             </a:r>
           </a:p>
           <a:p>
             <a:pPr lvl="4"/>
             <a:r>
-              <a:rPr lang="en-US" smtClean="0"/>
+              <a:rPr lang="en-US"/>
               <a:t>Fifth level</a:t>
             </a:r>
-            <a:endParaRPr lang="en-US"/>
           </a:p>
         </p:txBody>
       </p:sp>
@@ -641,7 +654,7 @@
           <a:p>
             <a:fld id="{BFE1333D-8A33-4674-98DB-52C522B29B7B}" type="datetimeFigureOut">
               <a:rPr lang="en-US" smtClean="0"/>
-              <a:t>9/10/2019</a:t>
+              <a:t>9/22/2019</a:t>
             </a:fld>
             <a:endParaRPr lang="en-US"/>
           </a:p>
@@ -735,10 +748,9 @@
           <a:lstStyle/>
           <a:p>
             <a:r>
-              <a:rPr lang="en-US" smtClean="0"/>
+              <a:rPr lang="en-US"/>
               <a:t>Click to edit Master title style</a:t>
             </a:r>
-            <a:endParaRPr lang="en-US"/>
           </a:p>
         </p:txBody>
       </p:sp>
@@ -759,38 +771,37 @@
           <a:p>
             <a:pPr lvl="0"/>
             <a:r>
-              <a:rPr lang="en-US" smtClean="0"/>
+              <a:rPr lang="en-US"/>
               <a:t>Click to edit Master text styles</a:t>
             </a:r>
           </a:p>
           <a:p>
             <a:pPr lvl="1"/>
             <a:r>
-              <a:rPr lang="en-US" smtClean="0"/>
+              <a:rPr lang="en-US"/>
               <a:t>Second level</a:t>
             </a:r>
           </a:p>
           <a:p>
             <a:pPr lvl="2"/>
             <a:r>
-              <a:rPr lang="en-US" smtClean="0"/>
+              <a:rPr lang="en-US"/>
               <a:t>Third level</a:t>
             </a:r>
           </a:p>
           <a:p>
             <a:pPr lvl="3"/>
             <a:r>
-              <a:rPr lang="en-US" smtClean="0"/>
+              <a:rPr lang="en-US"/>
               <a:t>Fourth level</a:t>
             </a:r>
           </a:p>
           <a:p>
             <a:pPr lvl="4"/>
             <a:r>
-              <a:rPr lang="en-US" smtClean="0"/>
+              <a:rPr lang="en-US"/>
               <a:t>Fifth level</a:t>
             </a:r>
-            <a:endParaRPr lang="en-US"/>
           </a:p>
         </p:txBody>
       </p:sp>
@@ -811,7 +822,7 @@
           <a:p>
             <a:fld id="{BFE1333D-8A33-4674-98DB-52C522B29B7B}" type="datetimeFigureOut">
               <a:rPr lang="en-US" smtClean="0"/>
-              <a:t>9/10/2019</a:t>
+              <a:t>9/22/2019</a:t>
             </a:fld>
             <a:endParaRPr lang="en-US"/>
           </a:p>
@@ -914,10 +925,9 @@
           </a:lstStyle>
           <a:p>
             <a:r>
-              <a:rPr lang="en-US" smtClean="0"/>
+              <a:rPr lang="en-US"/>
               <a:t>Click to edit Master title style</a:t>
             </a:r>
-            <a:endParaRPr lang="en-US"/>
           </a:p>
         </p:txBody>
       </p:sp>
@@ -1034,7 +1044,7 @@
           <a:p>
             <a:pPr lvl="0"/>
             <a:r>
-              <a:rPr lang="en-US" smtClean="0"/>
+              <a:rPr lang="en-US"/>
               <a:t>Click to edit Master text styles</a:t>
             </a:r>
           </a:p>
@@ -1057,7 +1067,7 @@
           <a:p>
             <a:fld id="{BFE1333D-8A33-4674-98DB-52C522B29B7B}" type="datetimeFigureOut">
               <a:rPr lang="en-US" smtClean="0"/>
-              <a:t>9/10/2019</a:t>
+              <a:t>9/22/2019</a:t>
             </a:fld>
             <a:endParaRPr lang="en-US"/>
           </a:p>
@@ -1151,10 +1161,9 @@
           <a:lstStyle/>
           <a:p>
             <a:r>
-              <a:rPr lang="en-US" smtClean="0"/>
+              <a:rPr lang="en-US"/>
               <a:t>Click to edit Master title style</a:t>
             </a:r>
-            <a:endParaRPr lang="en-US"/>
           </a:p>
         </p:txBody>
       </p:sp>
@@ -1208,38 +1217,37 @@
           <a:p>
             <a:pPr lvl="0"/>
             <a:r>
-              <a:rPr lang="en-US" smtClean="0"/>
+              <a:rPr lang="en-US"/>
               <a:t>Click to edit Master text styles</a:t>
             </a:r>
           </a:p>
           <a:p>
             <a:pPr lvl="1"/>
             <a:r>
-              <a:rPr lang="en-US" smtClean="0"/>
+              <a:rPr lang="en-US"/>
               <a:t>Second level</a:t>
             </a:r>
           </a:p>
           <a:p>
             <a:pPr lvl="2"/>
             <a:r>
-              <a:rPr lang="en-US" smtClean="0"/>
+              <a:rPr lang="en-US"/>
               <a:t>Third level</a:t>
             </a:r>
           </a:p>
           <a:p>
             <a:pPr lvl="3"/>
             <a:r>
-              <a:rPr lang="en-US" smtClean="0"/>
+              <a:rPr lang="en-US"/>
               <a:t>Fourth level</a:t>
             </a:r>
           </a:p>
           <a:p>
             <a:pPr lvl="4"/>
             <a:r>
-              <a:rPr lang="en-US" smtClean="0"/>
+              <a:rPr lang="en-US"/>
               <a:t>Fifth level</a:t>
             </a:r>
-            <a:endParaRPr lang="en-US"/>
           </a:p>
         </p:txBody>
       </p:sp>
@@ -1293,38 +1301,37 @@
           <a:p>
             <a:pPr lvl="0"/>
             <a:r>
-              <a:rPr lang="en-US" smtClean="0"/>
+              <a:rPr lang="en-US"/>
               <a:t>Click to edit Master text styles</a:t>
             </a:r>
           </a:p>
           <a:p>
             <a:pPr lvl="1"/>
             <a:r>
-              <a:rPr lang="en-US" smtClean="0"/>
+              <a:rPr lang="en-US"/>
               <a:t>Second level</a:t>
             </a:r>
           </a:p>
           <a:p>
             <a:pPr lvl="2"/>
             <a:r>
-              <a:rPr lang="en-US" smtClean="0"/>
+              <a:rPr lang="en-US"/>
               <a:t>Third level</a:t>
             </a:r>
           </a:p>
           <a:p>
             <a:pPr lvl="3"/>
             <a:r>
-              <a:rPr lang="en-US" smtClean="0"/>
+              <a:rPr lang="en-US"/>
               <a:t>Fourth level</a:t>
             </a:r>
           </a:p>
           <a:p>
             <a:pPr lvl="4"/>
             <a:r>
-              <a:rPr lang="en-US" smtClean="0"/>
+              <a:rPr lang="en-US"/>
               <a:t>Fifth level</a:t>
             </a:r>
-            <a:endParaRPr lang="en-US"/>
           </a:p>
         </p:txBody>
       </p:sp>
@@ -1345,7 +1352,7 @@
           <a:p>
             <a:fld id="{BFE1333D-8A33-4674-98DB-52C522B29B7B}" type="datetimeFigureOut">
               <a:rPr lang="en-US" smtClean="0"/>
-              <a:t>9/10/2019</a:t>
+              <a:t>9/22/2019</a:t>
             </a:fld>
             <a:endParaRPr lang="en-US"/>
           </a:p>
@@ -1443,10 +1450,9 @@
           </a:lstStyle>
           <a:p>
             <a:r>
-              <a:rPr lang="en-US" smtClean="0"/>
+              <a:rPr lang="en-US"/>
               <a:t>Click to edit Master title style</a:t>
             </a:r>
-            <a:endParaRPr lang="en-US"/>
           </a:p>
         </p:txBody>
       </p:sp>
@@ -1509,7 +1515,7 @@
           <a:p>
             <a:pPr lvl="0"/>
             <a:r>
-              <a:rPr lang="en-US" smtClean="0"/>
+              <a:rPr lang="en-US"/>
               <a:t>Click to edit Master text styles</a:t>
             </a:r>
           </a:p>
@@ -1565,38 +1571,37 @@
           <a:p>
             <a:pPr lvl="0"/>
             <a:r>
-              <a:rPr lang="en-US" smtClean="0"/>
+              <a:rPr lang="en-US"/>
               <a:t>Click to edit Master text styles</a:t>
             </a:r>
           </a:p>
           <a:p>
             <a:pPr lvl="1"/>
             <a:r>
-              <a:rPr lang="en-US" smtClean="0"/>
+              <a:rPr lang="en-US"/>
               <a:t>Second level</a:t>
             </a:r>
           </a:p>
           <a:p>
             <a:pPr lvl="2"/>
             <a:r>
-              <a:rPr lang="en-US" smtClean="0"/>
+              <a:rPr lang="en-US"/>
               <a:t>Third level</a:t>
             </a:r>
           </a:p>
           <a:p>
             <a:pPr lvl="3"/>
             <a:r>
-              <a:rPr lang="en-US" smtClean="0"/>
+              <a:rPr lang="en-US"/>
               <a:t>Fourth level</a:t>
             </a:r>
           </a:p>
           <a:p>
             <a:pPr lvl="4"/>
             <a:r>
-              <a:rPr lang="en-US" smtClean="0"/>
+              <a:rPr lang="en-US"/>
               <a:t>Fifth level</a:t>
             </a:r>
-            <a:endParaRPr lang="en-US"/>
           </a:p>
         </p:txBody>
       </p:sp>
@@ -1659,7 +1664,7 @@
           <a:p>
             <a:pPr lvl="0"/>
             <a:r>
-              <a:rPr lang="en-US" smtClean="0"/>
+              <a:rPr lang="en-US"/>
               <a:t>Click to edit Master text styles</a:t>
             </a:r>
           </a:p>
@@ -1715,38 +1720,37 @@
           <a:p>
             <a:pPr lvl="0"/>
             <a:r>
-              <a:rPr lang="en-US" smtClean="0"/>
+              <a:rPr lang="en-US"/>
               <a:t>Click to edit Master text styles</a:t>
             </a:r>
           </a:p>
           <a:p>
             <a:pPr lvl="1"/>
             <a:r>
-              <a:rPr lang="en-US" smtClean="0"/>
+              <a:rPr lang="en-US"/>
               <a:t>Second level</a:t>
             </a:r>
           </a:p>
           <a:p>
             <a:pPr lvl="2"/>
             <a:r>
-              <a:rPr lang="en-US" smtClean="0"/>
+              <a:rPr lang="en-US"/>
               <a:t>Third level</a:t>
             </a:r>
           </a:p>
           <a:p>
             <a:pPr lvl="3"/>
             <a:r>
-              <a:rPr lang="en-US" smtClean="0"/>
+              <a:rPr lang="en-US"/>
               <a:t>Fourth level</a:t>
             </a:r>
           </a:p>
           <a:p>
             <a:pPr lvl="4"/>
             <a:r>
-              <a:rPr lang="en-US" smtClean="0"/>
+              <a:rPr lang="en-US"/>
               <a:t>Fifth level</a:t>
             </a:r>
-            <a:endParaRPr lang="en-US"/>
           </a:p>
         </p:txBody>
       </p:sp>
@@ -1767,7 +1771,7 @@
           <a:p>
             <a:fld id="{BFE1333D-8A33-4674-98DB-52C522B29B7B}" type="datetimeFigureOut">
               <a:rPr lang="en-US" smtClean="0"/>
-              <a:t>9/10/2019</a:t>
+              <a:t>9/22/2019</a:t>
             </a:fld>
             <a:endParaRPr lang="en-US"/>
           </a:p>
@@ -1861,10 +1865,9 @@
           <a:lstStyle/>
           <a:p>
             <a:r>
-              <a:rPr lang="en-US" smtClean="0"/>
+              <a:rPr lang="en-US"/>
               <a:t>Click to edit Master title style</a:t>
             </a:r>
-            <a:endParaRPr lang="en-US"/>
           </a:p>
         </p:txBody>
       </p:sp>
@@ -1885,7 +1888,7 @@
           <a:p>
             <a:fld id="{BFE1333D-8A33-4674-98DB-52C522B29B7B}" type="datetimeFigureOut">
               <a:rPr lang="en-US" smtClean="0"/>
-              <a:t>9/10/2019</a:t>
+              <a:t>9/22/2019</a:t>
             </a:fld>
             <a:endParaRPr lang="en-US"/>
           </a:p>
@@ -1980,7 +1983,7 @@
           <a:p>
             <a:fld id="{BFE1333D-8A33-4674-98DB-52C522B29B7B}" type="datetimeFigureOut">
               <a:rPr lang="en-US" smtClean="0"/>
-              <a:t>9/10/2019</a:t>
+              <a:t>9/22/2019</a:t>
             </a:fld>
             <a:endParaRPr lang="en-US"/>
           </a:p>
@@ -2083,10 +2086,9 @@
           </a:lstStyle>
           <a:p>
             <a:r>
-              <a:rPr lang="en-US" smtClean="0"/>
+              <a:rPr lang="en-US"/>
               <a:t>Click to edit Master title style</a:t>
             </a:r>
-            <a:endParaRPr lang="en-US"/>
           </a:p>
         </p:txBody>
       </p:sp>
@@ -2140,38 +2142,37 @@
           <a:p>
             <a:pPr lvl="0"/>
             <a:r>
-              <a:rPr lang="en-US" smtClean="0"/>
+              <a:rPr lang="en-US"/>
               <a:t>Click to edit Master text styles</a:t>
             </a:r>
           </a:p>
           <a:p>
             <a:pPr lvl="1"/>
             <a:r>
-              <a:rPr lang="en-US" smtClean="0"/>
+              <a:rPr lang="en-US"/>
               <a:t>Second level</a:t>
             </a:r>
           </a:p>
           <a:p>
             <a:pPr lvl="2"/>
             <a:r>
-              <a:rPr lang="en-US" smtClean="0"/>
+              <a:rPr lang="en-US"/>
               <a:t>Third level</a:t>
             </a:r>
           </a:p>
           <a:p>
             <a:pPr lvl="3"/>
             <a:r>
-              <a:rPr lang="en-US" smtClean="0"/>
+              <a:rPr lang="en-US"/>
               <a:t>Fourth level</a:t>
             </a:r>
           </a:p>
           <a:p>
             <a:pPr lvl="4"/>
             <a:r>
-              <a:rPr lang="en-US" smtClean="0"/>
+              <a:rPr lang="en-US"/>
               <a:t>Fifth level</a:t>
             </a:r>
-            <a:endParaRPr lang="en-US"/>
           </a:p>
         </p:txBody>
       </p:sp>
@@ -2234,7 +2235,7 @@
           <a:p>
             <a:pPr lvl="0"/>
             <a:r>
-              <a:rPr lang="en-US" smtClean="0"/>
+              <a:rPr lang="en-US"/>
               <a:t>Click to edit Master text styles</a:t>
             </a:r>
           </a:p>
@@ -2257,7 +2258,7 @@
           <a:p>
             <a:fld id="{BFE1333D-8A33-4674-98DB-52C522B29B7B}" type="datetimeFigureOut">
               <a:rPr lang="en-US" smtClean="0"/>
-              <a:t>9/10/2019</a:t>
+              <a:t>9/22/2019</a:t>
             </a:fld>
             <a:endParaRPr lang="en-US"/>
           </a:p>
@@ -2360,10 +2361,9 @@
           </a:lstStyle>
           <a:p>
             <a:r>
-              <a:rPr lang="en-US" smtClean="0"/>
+              <a:rPr lang="en-US"/>
               <a:t>Click to edit Master title style</a:t>
             </a:r>
-            <a:endParaRPr lang="en-US"/>
           </a:p>
         </p:txBody>
       </p:sp>
@@ -2487,7 +2487,7 @@
           <a:p>
             <a:pPr lvl="0"/>
             <a:r>
-              <a:rPr lang="en-US" smtClean="0"/>
+              <a:rPr lang="en-US"/>
               <a:t>Click to edit Master text styles</a:t>
             </a:r>
           </a:p>
@@ -2510,7 +2510,7 @@
           <a:p>
             <a:fld id="{BFE1333D-8A33-4674-98DB-52C522B29B7B}" type="datetimeFigureOut">
               <a:rPr lang="en-US" smtClean="0"/>
-              <a:t>9/10/2019</a:t>
+              <a:t>9/22/2019</a:t>
             </a:fld>
             <a:endParaRPr lang="en-US"/>
           </a:p>
@@ -2619,10 +2619,9 @@
           <a:lstStyle/>
           <a:p>
             <a:r>
-              <a:rPr lang="en-US" smtClean="0"/>
+              <a:rPr lang="en-US"/>
               <a:t>Click to edit Master title style</a:t>
             </a:r>
-            <a:endParaRPr lang="en-US"/>
           </a:p>
         </p:txBody>
       </p:sp>
@@ -2653,38 +2652,37 @@
           <a:p>
             <a:pPr lvl="0"/>
             <a:r>
-              <a:rPr lang="en-US" smtClean="0"/>
+              <a:rPr lang="en-US"/>
               <a:t>Click to edit Master text styles</a:t>
             </a:r>
           </a:p>
           <a:p>
             <a:pPr lvl="1"/>
             <a:r>
-              <a:rPr lang="en-US" smtClean="0"/>
+              <a:rPr lang="en-US"/>
               <a:t>Second level</a:t>
             </a:r>
           </a:p>
           <a:p>
             <a:pPr lvl="2"/>
             <a:r>
-              <a:rPr lang="en-US" smtClean="0"/>
+              <a:rPr lang="en-US"/>
               <a:t>Third level</a:t>
             </a:r>
           </a:p>
           <a:p>
             <a:pPr lvl="3"/>
             <a:r>
-              <a:rPr lang="en-US" smtClean="0"/>
+              <a:rPr lang="en-US"/>
               <a:t>Fourth level</a:t>
             </a:r>
           </a:p>
           <a:p>
             <a:pPr lvl="4"/>
             <a:r>
-              <a:rPr lang="en-US" smtClean="0"/>
+              <a:rPr lang="en-US"/>
               <a:t>Fifth level</a:t>
             </a:r>
-            <a:endParaRPr lang="en-US"/>
           </a:p>
         </p:txBody>
       </p:sp>
@@ -2723,7 +2721,7 @@
           <a:p>
             <a:fld id="{BFE1333D-8A33-4674-98DB-52C522B29B7B}" type="datetimeFigureOut">
               <a:rPr lang="en-US" smtClean="0"/>
-              <a:t>9/10/2019</a:t>
+              <a:t>9/22/2019</a:t>
             </a:fld>
             <a:endParaRPr lang="en-US"/>
           </a:p>
@@ -3146,13 +3144,6 @@
   <p:clrMapOvr>
     <a:masterClrMapping/>
   </p:clrMapOvr>
-  <p:timing>
-    <p:tnLst>
-      <p:par>
-        <p:cTn id="1" dur="indefinite" restart="never" nodeType="tmRoot"/>
-      </p:par>
-    </p:tnLst>
-  </p:timing>
 </p:sld>
 </file>
 
@@ -3515,7 +3506,7 @@
           <a:p>
             <a:pPr algn="ctr"/>
             <a:r>
-              <a:rPr lang="en-US" sz="1400" smtClean="0">
+              <a:rPr lang="en-US" sz="1400">
                 <a:solidFill>
                   <a:schemeClr val="bg1"/>
                 </a:solidFill>
@@ -3603,18 +3594,13 @@
           <a:lstStyle/>
           <a:p>
             <a:r>
-              <a:rPr lang="en-US" sz="1400" smtClean="0">
+              <a:rPr lang="en-US" sz="1400">
                 <a:solidFill>
                   <a:schemeClr val="bg1"/>
                 </a:solidFill>
               </a:rPr>
               <a:t>Dynamic Data</a:t>
             </a:r>
-            <a:endParaRPr lang="en-US" sz="1400">
-              <a:solidFill>
-                <a:schemeClr val="bg1"/>
-              </a:solidFill>
-            </a:endParaRPr>
           </a:p>
         </p:txBody>
       </p:sp>
@@ -3691,7 +3677,7 @@
           <a:lstStyle/>
           <a:p>
             <a:r>
-              <a:rPr lang="en-US" sz="1400" b="1" err="1" smtClean="0">
+              <a:rPr lang="en-US" sz="1400" b="1" err="1">
                 <a:solidFill>
                   <a:srgbClr val="C00000"/>
                 </a:solidFill>
@@ -3706,7 +3692,7 @@
               <a:t>Matlab</a:t>
             </a:r>
             <a:r>
-              <a:rPr lang="en-US" sz="1400" b="1" smtClean="0">
+              <a:rPr lang="en-US" sz="1400" b="1">
                 <a:solidFill>
                   <a:srgbClr val="C00000"/>
                 </a:solidFill>
@@ -3720,18 +3706,6 @@
               </a:rPr>
               <a:t> Engine</a:t>
             </a:r>
-            <a:endParaRPr lang="en-US" sz="1400" b="1">
-              <a:solidFill>
-                <a:srgbClr val="C00000"/>
-              </a:solidFill>
-              <a:effectLst>
-                <a:outerShdw blurRad="38100" dist="38100" dir="2700000" algn="tl">
-                  <a:srgbClr val="000000">
-                    <a:alpha val="43137"/>
-                  </a:srgbClr>
-                </a:outerShdw>
-              </a:effectLst>
-            </a:endParaRPr>
           </a:p>
         </p:txBody>
       </p:sp>
@@ -3879,13 +3853,6 @@
   <p:clrMapOvr>
     <a:masterClrMapping/>
   </p:clrMapOvr>
-  <p:timing>
-    <p:tnLst>
-      <p:par>
-        <p:cTn id="1" dur="indefinite" restart="never" nodeType="tmRoot"/>
-      </p:par>
-    </p:tnLst>
-  </p:timing>
 </p:sld>
 </file>
 
@@ -4259,44 +4226,6 @@
       </p:pic>
       <p:sp>
         <p:nvSpPr>
-          <p:cNvPr id="10" name="Right Arrow 9"/>
-          <p:cNvSpPr/>
-          <p:nvPr/>
-        </p:nvSpPr>
-        <p:spPr>
-          <a:xfrm>
-            <a:off x="4724401" y="3228976"/>
-            <a:ext cx="1371600" cy="304800"/>
-          </a:xfrm>
-          <a:prstGeom prst="rightArrow">
-            <a:avLst/>
-          </a:prstGeom>
-        </p:spPr>
-        <p:style>
-          <a:lnRef idx="1">
-            <a:schemeClr val="accent1"/>
-          </a:lnRef>
-          <a:fillRef idx="3">
-            <a:schemeClr val="accent1"/>
-          </a:fillRef>
-          <a:effectRef idx="2">
-            <a:schemeClr val="accent1"/>
-          </a:effectRef>
-          <a:fontRef idx="minor">
-            <a:schemeClr val="lt1"/>
-          </a:fontRef>
-        </p:style>
-        <p:txBody>
-          <a:bodyPr rtlCol="0" anchor="ctr"/>
-          <a:lstStyle/>
-          <a:p>
-            <a:pPr algn="ctr"/>
-            <a:endParaRPr lang="en-US"/>
-          </a:p>
-        </p:txBody>
-      </p:sp>
-      <p:sp>
-        <p:nvSpPr>
           <p:cNvPr id="12" name="Rectangle 11"/>
           <p:cNvSpPr/>
           <p:nvPr/>
@@ -4339,7 +4268,7 @@
           <a:p>
             <a:pPr algn="ctr"/>
             <a:r>
-              <a:rPr lang="en-US" sz="2800" b="1" cap="all" smtClean="0">
+              <a:rPr lang="en-US" sz="2800" b="1" cap="all">
                 <a:ln w="0"/>
                 <a:gradFill flip="none">
                   <a:gsLst>
@@ -4438,8 +4367,8 @@
         </p:nvSpPr>
         <p:spPr>
           <a:xfrm>
-            <a:off x="1752600" y="4038600"/>
-            <a:ext cx="2249014" cy="523220"/>
+            <a:off x="1633978" y="4038600"/>
+            <a:ext cx="2486258" cy="523220"/>
           </a:xfrm>
           <a:prstGeom prst="rect">
             <a:avLst/>
@@ -4474,7 +4403,7 @@
           <a:p>
             <a:pPr algn="ctr"/>
             <a:r>
-              <a:rPr lang="en-US" sz="2800" b="1" cap="all" smtClean="0">
+              <a:rPr lang="en-US" sz="2800" b="1" cap="all">
                 <a:ln w="0"/>
                 <a:gradFill flip="none">
                   <a:gsLst>
@@ -4517,7 +4446,7 @@
                   <a:reflection blurRad="12700" stA="50000" endPos="50000" dist="5000" dir="5400000" sy="-100000" rotWithShape="0"/>
                 </a:effectLst>
               </a:rPr>
-              <a:t>Enviroment</a:t>
+              <a:t>Environment</a:t>
             </a:r>
             <a:endParaRPr lang="en-US" sz="4400" b="1" cap="all" spc="0">
               <a:ln w="0"/>
@@ -4609,7 +4538,7 @@
           <a:p>
             <a:pPr algn="ctr"/>
             <a:r>
-              <a:rPr lang="en-US" sz="2800" b="1" cap="all" smtClean="0">
+              <a:rPr lang="en-US" sz="2800" b="1" cap="all">
                 <a:ln w="0"/>
                 <a:gradFill flip="none">
                   <a:gsLst>
@@ -4708,8 +4637,8 @@
         </p:nvSpPr>
         <p:spPr>
           <a:xfrm>
-            <a:off x="5584443" y="4114800"/>
-            <a:ext cx="2035557" cy="523220"/>
+            <a:off x="5254225" y="4114800"/>
+            <a:ext cx="2695994" cy="523220"/>
           </a:xfrm>
           <a:prstGeom prst="rect">
             <a:avLst/>
@@ -4744,7 +4673,7 @@
           <a:p>
             <a:pPr algn="ctr"/>
             <a:r>
-              <a:rPr lang="en-US" sz="2800" b="1" cap="all" smtClean="0">
+              <a:rPr lang="en-US" sz="2800" b="1" cap="all">
                 <a:ln w="0"/>
                 <a:gradFill flip="none">
                   <a:gsLst>
@@ -4787,51 +4716,8 @@
                   <a:reflection blurRad="12700" stA="50000" endPos="50000" dist="5000" dir="5400000" sy="-100000" rotWithShape="0"/>
                 </a:effectLst>
               </a:rPr>
-              <a:t>Algorithm</a:t>
-            </a:r>
-            <a:endParaRPr lang="en-US" sz="4400" b="1" cap="all" spc="0">
-              <a:ln w="0"/>
-              <a:gradFill flip="none">
-                <a:gsLst>
-                  <a:gs pos="0">
-                    <a:schemeClr val="accent1">
-                      <a:tint val="75000"/>
-                      <a:shade val="75000"/>
-                      <a:satMod val="170000"/>
-                    </a:schemeClr>
-                  </a:gs>
-                  <a:gs pos="49000">
-                    <a:schemeClr val="accent1">
-                      <a:tint val="88000"/>
-                      <a:shade val="65000"/>
-                      <a:satMod val="172000"/>
-                    </a:schemeClr>
-                  </a:gs>
-                  <a:gs pos="50000">
-                    <a:schemeClr val="accent1">
-                      <a:shade val="65000"/>
-                      <a:satMod val="130000"/>
-                    </a:schemeClr>
-                  </a:gs>
-                  <a:gs pos="92000">
-                    <a:schemeClr val="accent1">
-                      <a:shade val="50000"/>
-                      <a:satMod val="120000"/>
-                    </a:schemeClr>
-                  </a:gs>
-                  <a:gs pos="100000">
-                    <a:schemeClr val="accent1">
-                      <a:shade val="48000"/>
-                      <a:satMod val="120000"/>
-                    </a:schemeClr>
-                  </a:gs>
-                </a:gsLst>
-                <a:lin ang="5400000"/>
-              </a:gradFill>
-              <a:effectLst>
-                <a:reflection blurRad="12700" stA="50000" endPos="50000" dist="5000" dir="5400000" sy="-100000" rotWithShape="0"/>
-              </a:effectLst>
-            </a:endParaRPr>
+              <a:t>Algorithm (RL)</a:t>
+            </a:r>
           </a:p>
         </p:txBody>
       </p:sp>
@@ -4881,7 +4767,7 @@
         </p:nvSpPr>
         <p:spPr>
           <a:xfrm>
-            <a:off x="1219200" y="4800600"/>
+            <a:off x="1295400" y="4800600"/>
             <a:ext cx="457200" cy="304800"/>
           </a:xfrm>
           <a:prstGeom prst="flowChartConnector">
@@ -4908,10 +4794,9 @@
           <a:p>
             <a:pPr algn="ctr"/>
             <a:r>
-              <a:rPr lang="en-US" smtClean="0"/>
+              <a:rPr lang="en-US"/>
               <a:t>1</a:t>
             </a:r>
-            <a:endParaRPr lang="en-US"/>
           </a:p>
         </p:txBody>
       </p:sp>
@@ -4964,7 +4849,7 @@
         </p:nvSpPr>
         <p:spPr>
           <a:xfrm>
-            <a:off x="3914945" y="4809226"/>
+            <a:off x="3962400" y="4809226"/>
             <a:ext cx="457200" cy="304800"/>
           </a:xfrm>
           <a:prstGeom prst="flowChartConnector">
@@ -5032,10 +4917,9 @@
           <a:p>
             <a:pPr algn="ctr"/>
             <a:r>
-              <a:rPr lang="en-US" smtClean="0"/>
+              <a:rPr lang="en-US"/>
               <a:t>5</a:t>
             </a:r>
-            <a:endParaRPr lang="en-US"/>
           </a:p>
         </p:txBody>
       </p:sp>
@@ -5074,9 +4958,46 @@
           <a:p>
             <a:pPr algn="ctr"/>
             <a:r>
-              <a:rPr lang="en-US" smtClean="0"/>
+              <a:rPr lang="en-US"/>
               <a:t>4</a:t>
             </a:r>
+          </a:p>
+        </p:txBody>
+      </p:sp>
+      <p:sp>
+        <p:nvSpPr>
+          <p:cNvPr id="11" name="Left-Right Arrow 10"/>
+          <p:cNvSpPr/>
+          <p:nvPr/>
+        </p:nvSpPr>
+        <p:spPr>
+          <a:xfrm>
+            <a:off x="4724401" y="3224211"/>
+            <a:ext cx="1295400" cy="304800"/>
+          </a:xfrm>
+          <a:prstGeom prst="leftRightArrow">
+            <a:avLst/>
+          </a:prstGeom>
+        </p:spPr>
+        <p:style>
+          <a:lnRef idx="1">
+            <a:schemeClr val="accent1"/>
+          </a:lnRef>
+          <a:fillRef idx="3">
+            <a:schemeClr val="accent1"/>
+          </a:fillRef>
+          <a:effectRef idx="2">
+            <a:schemeClr val="accent1"/>
+          </a:effectRef>
+          <a:fontRef idx="minor">
+            <a:schemeClr val="lt1"/>
+          </a:fontRef>
+        </p:style>
+        <p:txBody>
+          <a:bodyPr rtlCol="0" anchor="ctr"/>
+          <a:lstStyle/>
+          <a:p>
+            <a:pPr algn="ctr"/>
             <a:endParaRPr lang="en-US"/>
           </a:p>
         </p:txBody>
@@ -5091,13 +5012,6 @@
   <p:clrMapOvr>
     <a:masterClrMapping/>
   </p:clrMapOvr>
-  <p:timing>
-    <p:tnLst>
-      <p:par>
-        <p:cTn id="1" dur="indefinite" restart="never" nodeType="tmRoot"/>
-      </p:par>
-    </p:tnLst>
-  </p:timing>
 </p:sld>
 </file>
 
@@ -5118,44 +5032,41 @@
           <a:chExt cx="0" cy="0"/>
         </a:xfrm>
       </p:grpSpPr>
-      <p:sp>
-        <p:nvSpPr>
-          <p:cNvPr id="2" name="Title 1"/>
-          <p:cNvSpPr>
-            <a:spLocks noGrp="1"/>
-          </p:cNvSpPr>
-          <p:nvPr>
-            <p:ph type="title"/>
-          </p:nvPr>
-        </p:nvSpPr>
-        <p:spPr/>
-        <p:txBody>
-          <a:bodyPr/>
-          <a:lstStyle/>
-          <a:p>
-            <a:endParaRPr lang="en-US"/>
-          </a:p>
-        </p:txBody>
-      </p:sp>
-      <p:sp>
-        <p:nvSpPr>
-          <p:cNvPr id="3" name="Content Placeholder 2"/>
-          <p:cNvSpPr>
-            <a:spLocks noGrp="1"/>
-          </p:cNvSpPr>
+      <p:pic>
+        <p:nvPicPr>
+          <p:cNvPr id="15" name="Content Placeholder 14">
+            <a:extLst>
+              <a:ext uri="{FF2B5EF4-FFF2-40B4-BE49-F238E27FC236}">
+                <a16:creationId xmlns:a16="http://schemas.microsoft.com/office/drawing/2014/main" id="{AA487297-B9BD-49CF-AF17-7877FA481B5E}"/>
+              </a:ext>
+            </a:extLst>
+          </p:cNvPr>
+          <p:cNvPicPr>
+            <a:picLocks noGrp="1" noChangeAspect="1"/>
+          </p:cNvPicPr>
           <p:nvPr>
             <p:ph idx="1"/>
           </p:nvPr>
-        </p:nvSpPr>
-        <p:spPr/>
-        <p:txBody>
-          <a:bodyPr/>
-          <a:lstStyle/>
-          <a:p>
-            <a:endParaRPr lang="en-US"/>
-          </a:p>
-        </p:txBody>
-      </p:sp>
+        </p:nvPicPr>
+        <p:blipFill>
+          <a:blip r:embed="rId2">
+            <a:extLst>
+              <a:ext uri="{28A0092B-C50C-407E-A947-70E740481C1C}">
+                <a14:useLocalDpi xmlns:a14="http://schemas.microsoft.com/office/drawing/2010/main" val="0"/>
+              </a:ext>
+            </a:extLst>
+          </a:blip>
+          <a:stretch>
+            <a:fillRect/>
+          </a:stretch>
+        </p:blipFill>
+        <p:spPr>
+          <a:xfrm>
+            <a:off x="304800" y="1828800"/>
+            <a:ext cx="4525963" cy="4525963"/>
+          </a:xfrm>
+        </p:spPr>
+      </p:pic>
     </p:spTree>
     <p:extLst>
       <p:ext uri="{BB962C8B-B14F-4D97-AF65-F5344CB8AC3E}">
@@ -5166,13 +5077,723 @@
   <p:clrMapOvr>
     <a:masterClrMapping/>
   </p:clrMapOvr>
-  <p:timing>
-    <p:tnLst>
-      <p:par>
-        <p:cTn id="1" dur="indefinite" restart="never" nodeType="tmRoot"/>
-      </p:par>
-    </p:tnLst>
-  </p:timing>
+</p:sld>
+</file>
+
+<file path=ppt/slides/slide5.xml><?xml version="1.0" encoding="utf-8"?>
+<p:sld xmlns:a="http://schemas.openxmlformats.org/drawingml/2006/main" xmlns:r="http://schemas.openxmlformats.org/officeDocument/2006/relationships" xmlns:p="http://schemas.openxmlformats.org/presentationml/2006/main">
+  <p:cSld>
+    <p:spTree>
+      <p:nvGrpSpPr>
+        <p:cNvPr id="1" name=""/>
+        <p:cNvGrpSpPr/>
+        <p:nvPr/>
+      </p:nvGrpSpPr>
+      <p:grpSpPr>
+        <a:xfrm>
+          <a:off x="0" y="0"/>
+          <a:ext cx="0" cy="0"/>
+          <a:chOff x="0" y="0"/>
+          <a:chExt cx="0" cy="0"/>
+        </a:xfrm>
+      </p:grpSpPr>
+      <p:sp>
+        <p:nvSpPr>
+          <p:cNvPr id="2" name="Title 1">
+            <a:extLst>
+              <a:ext uri="{FF2B5EF4-FFF2-40B4-BE49-F238E27FC236}">
+                <a16:creationId xmlns:a16="http://schemas.microsoft.com/office/drawing/2014/main" id="{C002A959-F728-4DE8-87E5-1B3E9E42E5F9}"/>
+              </a:ext>
+            </a:extLst>
+          </p:cNvPr>
+          <p:cNvSpPr>
+            <a:spLocks noGrp="1"/>
+          </p:cNvSpPr>
+          <p:nvPr>
+            <p:ph type="title"/>
+          </p:nvPr>
+        </p:nvSpPr>
+        <p:spPr>
+          <a:xfrm>
+            <a:off x="457200" y="274638"/>
+            <a:ext cx="8229600" cy="1143000"/>
+          </a:xfrm>
+        </p:spPr>
+        <p:txBody>
+          <a:bodyPr/>
+          <a:lstStyle/>
+          <a:p>
+            <a:endParaRPr lang="en-US" dirty="0"/>
+          </a:p>
+        </p:txBody>
+      </p:sp>
+      <p:pic>
+        <p:nvPicPr>
+          <p:cNvPr id="5" name="Content Placeholder 4">
+            <a:extLst>
+              <a:ext uri="{FF2B5EF4-FFF2-40B4-BE49-F238E27FC236}">
+                <a16:creationId xmlns:a16="http://schemas.microsoft.com/office/drawing/2014/main" id="{2E70E514-57F8-4336-8007-46FE5CB05562}"/>
+              </a:ext>
+            </a:extLst>
+          </p:cNvPr>
+          <p:cNvPicPr>
+            <a:picLocks noGrp="1" noChangeAspect="1"/>
+          </p:cNvPicPr>
+          <p:nvPr>
+            <p:ph idx="1"/>
+          </p:nvPr>
+        </p:nvPicPr>
+        <p:blipFill>
+          <a:blip r:embed="rId2">
+            <a:extLst>
+              <a:ext uri="{28A0092B-C50C-407E-A947-70E740481C1C}">
+                <a14:useLocalDpi xmlns:a14="http://schemas.microsoft.com/office/drawing/2010/main" val="0"/>
+              </a:ext>
+            </a:extLst>
+          </a:blip>
+          <a:stretch>
+            <a:fillRect/>
+          </a:stretch>
+        </p:blipFill>
+        <p:spPr>
+          <a:xfrm>
+            <a:off x="108857" y="1572796"/>
+            <a:ext cx="4791075" cy="4751804"/>
+          </a:xfrm>
+        </p:spPr>
+      </p:pic>
+      <p:sp>
+        <p:nvSpPr>
+          <p:cNvPr id="6" name="TextBox 5">
+            <a:extLst>
+              <a:ext uri="{FF2B5EF4-FFF2-40B4-BE49-F238E27FC236}">
+                <a16:creationId xmlns:a16="http://schemas.microsoft.com/office/drawing/2014/main" id="{22C6F401-75FA-47CA-A4D9-D731DD44D0BC}"/>
+              </a:ext>
+            </a:extLst>
+          </p:cNvPr>
+          <p:cNvSpPr txBox="1"/>
+          <p:nvPr/>
+        </p:nvSpPr>
+        <p:spPr>
+          <a:xfrm>
+            <a:off x="2169371" y="5546070"/>
+            <a:ext cx="301686" cy="369332"/>
+          </a:xfrm>
+          <a:prstGeom prst="rect">
+            <a:avLst/>
+          </a:prstGeom>
+          <a:noFill/>
+        </p:spPr>
+        <p:txBody>
+          <a:bodyPr wrap="none" rtlCol="0">
+            <a:spAutoFit/>
+          </a:bodyPr>
+          <a:lstStyle/>
+          <a:p>
+            <a:r>
+              <a:rPr lang="en-US" dirty="0"/>
+              <a:t>1</a:t>
+            </a:r>
+          </a:p>
+        </p:txBody>
+      </p:sp>
+      <p:sp>
+        <p:nvSpPr>
+          <p:cNvPr id="7" name="TextBox 6">
+            <a:extLst>
+              <a:ext uri="{FF2B5EF4-FFF2-40B4-BE49-F238E27FC236}">
+                <a16:creationId xmlns:a16="http://schemas.microsoft.com/office/drawing/2014/main" id="{C53183FF-09E9-4FD2-859E-58799B8CE59F}"/>
+              </a:ext>
+            </a:extLst>
+          </p:cNvPr>
+          <p:cNvSpPr txBox="1"/>
+          <p:nvPr/>
+        </p:nvSpPr>
+        <p:spPr>
+          <a:xfrm>
+            <a:off x="2394857" y="5546070"/>
+            <a:ext cx="418704" cy="369332"/>
+          </a:xfrm>
+          <a:prstGeom prst="rect">
+            <a:avLst/>
+          </a:prstGeom>
+          <a:noFill/>
+        </p:spPr>
+        <p:txBody>
+          <a:bodyPr wrap="none" rtlCol="0">
+            <a:spAutoFit/>
+          </a:bodyPr>
+          <a:lstStyle/>
+          <a:p>
+            <a:r>
+              <a:rPr lang="en-US" dirty="0"/>
+              <a:t>36</a:t>
+            </a:r>
+          </a:p>
+        </p:txBody>
+      </p:sp>
+      <p:sp>
+        <p:nvSpPr>
+          <p:cNvPr id="8" name="TextBox 7">
+            <a:extLst>
+              <a:ext uri="{FF2B5EF4-FFF2-40B4-BE49-F238E27FC236}">
+                <a16:creationId xmlns:a16="http://schemas.microsoft.com/office/drawing/2014/main" id="{A4C9C94B-1A5B-433D-9F2C-EDBF55536D10}"/>
+              </a:ext>
+            </a:extLst>
+          </p:cNvPr>
+          <p:cNvSpPr txBox="1"/>
+          <p:nvPr/>
+        </p:nvSpPr>
+        <p:spPr>
+          <a:xfrm>
+            <a:off x="489857" y="3582476"/>
+            <a:ext cx="418704" cy="369332"/>
+          </a:xfrm>
+          <a:prstGeom prst="rect">
+            <a:avLst/>
+          </a:prstGeom>
+          <a:noFill/>
+        </p:spPr>
+        <p:txBody>
+          <a:bodyPr wrap="none" rtlCol="0">
+            <a:spAutoFit/>
+          </a:bodyPr>
+          <a:lstStyle/>
+          <a:p>
+            <a:r>
+              <a:rPr lang="en-US" dirty="0"/>
+              <a:t>10</a:t>
+            </a:r>
+          </a:p>
+        </p:txBody>
+      </p:sp>
+      <p:sp>
+        <p:nvSpPr>
+          <p:cNvPr id="9" name="TextBox 8">
+            <a:extLst>
+              <a:ext uri="{FF2B5EF4-FFF2-40B4-BE49-F238E27FC236}">
+                <a16:creationId xmlns:a16="http://schemas.microsoft.com/office/drawing/2014/main" id="{F5F2827E-AB95-48CD-A560-1961358BEA67}"/>
+              </a:ext>
+            </a:extLst>
+          </p:cNvPr>
+          <p:cNvSpPr txBox="1"/>
+          <p:nvPr/>
+        </p:nvSpPr>
+        <p:spPr>
+          <a:xfrm>
+            <a:off x="2063919" y="2029202"/>
+            <a:ext cx="418704" cy="369332"/>
+          </a:xfrm>
+          <a:prstGeom prst="rect">
+            <a:avLst/>
+          </a:prstGeom>
+          <a:noFill/>
+        </p:spPr>
+        <p:txBody>
+          <a:bodyPr wrap="none" rtlCol="0">
+            <a:spAutoFit/>
+          </a:bodyPr>
+          <a:lstStyle/>
+          <a:p>
+            <a:r>
+              <a:rPr lang="en-US" dirty="0"/>
+              <a:t>18</a:t>
+            </a:r>
+          </a:p>
+        </p:txBody>
+      </p:sp>
+      <p:sp>
+        <p:nvSpPr>
+          <p:cNvPr id="10" name="TextBox 9">
+            <a:extLst>
+              <a:ext uri="{FF2B5EF4-FFF2-40B4-BE49-F238E27FC236}">
+                <a16:creationId xmlns:a16="http://schemas.microsoft.com/office/drawing/2014/main" id="{5BB47F4B-236E-4573-AC01-219E454A02B0}"/>
+              </a:ext>
+            </a:extLst>
+          </p:cNvPr>
+          <p:cNvSpPr txBox="1"/>
+          <p:nvPr/>
+        </p:nvSpPr>
+        <p:spPr>
+          <a:xfrm>
+            <a:off x="2385526" y="2029202"/>
+            <a:ext cx="418704" cy="369332"/>
+          </a:xfrm>
+          <a:prstGeom prst="rect">
+            <a:avLst/>
+          </a:prstGeom>
+          <a:noFill/>
+        </p:spPr>
+        <p:txBody>
+          <a:bodyPr wrap="none" rtlCol="0">
+            <a:spAutoFit/>
+          </a:bodyPr>
+          <a:lstStyle/>
+          <a:p>
+            <a:r>
+              <a:rPr lang="en-US" dirty="0"/>
+              <a:t>19</a:t>
+            </a:r>
+          </a:p>
+        </p:txBody>
+      </p:sp>
+      <p:sp>
+        <p:nvSpPr>
+          <p:cNvPr id="11" name="TextBox 10">
+            <a:extLst>
+              <a:ext uri="{FF2B5EF4-FFF2-40B4-BE49-F238E27FC236}">
+                <a16:creationId xmlns:a16="http://schemas.microsoft.com/office/drawing/2014/main" id="{CF4B7C18-E4D7-465A-A695-6478E7BAE011}"/>
+              </a:ext>
+            </a:extLst>
+          </p:cNvPr>
+          <p:cNvSpPr txBox="1"/>
+          <p:nvPr/>
+        </p:nvSpPr>
+        <p:spPr>
+          <a:xfrm>
+            <a:off x="3995057" y="3585586"/>
+            <a:ext cx="418704" cy="369332"/>
+          </a:xfrm>
+          <a:prstGeom prst="rect">
+            <a:avLst/>
+          </a:prstGeom>
+          <a:noFill/>
+        </p:spPr>
+        <p:txBody>
+          <a:bodyPr wrap="square" rtlCol="0">
+            <a:spAutoFit/>
+          </a:bodyPr>
+          <a:lstStyle/>
+          <a:p>
+            <a:r>
+              <a:rPr lang="en-US" dirty="0"/>
+              <a:t>27</a:t>
+            </a:r>
+          </a:p>
+        </p:txBody>
+      </p:sp>
+      <p:sp>
+        <p:nvSpPr>
+          <p:cNvPr id="12" name="TextBox 11">
+            <a:extLst>
+              <a:ext uri="{FF2B5EF4-FFF2-40B4-BE49-F238E27FC236}">
+                <a16:creationId xmlns:a16="http://schemas.microsoft.com/office/drawing/2014/main" id="{4B21C4DB-26C5-48A1-8A11-FA4B747919F3}"/>
+              </a:ext>
+            </a:extLst>
+          </p:cNvPr>
+          <p:cNvSpPr txBox="1"/>
+          <p:nvPr/>
+        </p:nvSpPr>
+        <p:spPr>
+          <a:xfrm>
+            <a:off x="794657" y="2726670"/>
+            <a:ext cx="418704" cy="369332"/>
+          </a:xfrm>
+          <a:prstGeom prst="rect">
+            <a:avLst/>
+          </a:prstGeom>
+          <a:noFill/>
+        </p:spPr>
+        <p:txBody>
+          <a:bodyPr wrap="none" rtlCol="0">
+            <a:spAutoFit/>
+          </a:bodyPr>
+          <a:lstStyle/>
+          <a:p>
+            <a:r>
+              <a:rPr lang="en-US" dirty="0"/>
+              <a:t>13</a:t>
+            </a:r>
+          </a:p>
+        </p:txBody>
+      </p:sp>
+      <p:sp>
+        <p:nvSpPr>
+          <p:cNvPr id="13" name="TextBox 12">
+            <a:extLst>
+              <a:ext uri="{FF2B5EF4-FFF2-40B4-BE49-F238E27FC236}">
+                <a16:creationId xmlns:a16="http://schemas.microsoft.com/office/drawing/2014/main" id="{809E4C4C-87FC-4F9B-92F1-B717B210B47F}"/>
+              </a:ext>
+            </a:extLst>
+          </p:cNvPr>
+          <p:cNvSpPr txBox="1"/>
+          <p:nvPr/>
+        </p:nvSpPr>
+        <p:spPr>
+          <a:xfrm>
+            <a:off x="3690257" y="2753998"/>
+            <a:ext cx="418704" cy="369332"/>
+          </a:xfrm>
+          <a:prstGeom prst="rect">
+            <a:avLst/>
+          </a:prstGeom>
+          <a:noFill/>
+        </p:spPr>
+        <p:txBody>
+          <a:bodyPr wrap="none" rtlCol="0">
+            <a:spAutoFit/>
+          </a:bodyPr>
+          <a:lstStyle/>
+          <a:p>
+            <a:r>
+              <a:rPr lang="en-US" dirty="0"/>
+              <a:t>24</a:t>
+            </a:r>
+          </a:p>
+        </p:txBody>
+      </p:sp>
+      <p:sp>
+        <p:nvSpPr>
+          <p:cNvPr id="14" name="Oval 13">
+            <a:extLst>
+              <a:ext uri="{FF2B5EF4-FFF2-40B4-BE49-F238E27FC236}">
+                <a16:creationId xmlns:a16="http://schemas.microsoft.com/office/drawing/2014/main" id="{59700AE2-81B8-4A26-809E-093E3AFECABC}"/>
+              </a:ext>
+            </a:extLst>
+          </p:cNvPr>
+          <p:cNvSpPr/>
+          <p:nvPr/>
+        </p:nvSpPr>
+        <p:spPr>
+          <a:xfrm>
+            <a:off x="504340" y="2005598"/>
+            <a:ext cx="3871715" cy="3886200"/>
+          </a:xfrm>
+          <a:prstGeom prst="ellipse">
+            <a:avLst/>
+          </a:prstGeom>
+          <a:noFill/>
+          <a:ln w="38100"/>
+        </p:spPr>
+        <p:style>
+          <a:lnRef idx="2">
+            <a:schemeClr val="accent1">
+              <a:shade val="50000"/>
+            </a:schemeClr>
+          </a:lnRef>
+          <a:fillRef idx="1">
+            <a:schemeClr val="accent1"/>
+          </a:fillRef>
+          <a:effectRef idx="0">
+            <a:schemeClr val="accent1"/>
+          </a:effectRef>
+          <a:fontRef idx="minor">
+            <a:schemeClr val="lt1"/>
+          </a:fontRef>
+        </p:style>
+        <p:txBody>
+          <a:bodyPr rtlCol="0" anchor="ctr"/>
+          <a:lstStyle/>
+          <a:p>
+            <a:pPr algn="ctr"/>
+            <a:endParaRPr lang="en-US"/>
+          </a:p>
+        </p:txBody>
+      </p:sp>
+      <p:sp>
+        <p:nvSpPr>
+          <p:cNvPr id="15" name="Oval 14">
+            <a:extLst>
+              <a:ext uri="{FF2B5EF4-FFF2-40B4-BE49-F238E27FC236}">
+                <a16:creationId xmlns:a16="http://schemas.microsoft.com/office/drawing/2014/main" id="{F1A620E8-6757-437D-B200-8E306675B3FD}"/>
+              </a:ext>
+            </a:extLst>
+          </p:cNvPr>
+          <p:cNvSpPr/>
+          <p:nvPr/>
+        </p:nvSpPr>
+        <p:spPr>
+          <a:xfrm>
+            <a:off x="158961" y="1560355"/>
+            <a:ext cx="4562475" cy="4659847"/>
+          </a:xfrm>
+          <a:prstGeom prst="ellipse">
+            <a:avLst/>
+          </a:prstGeom>
+          <a:noFill/>
+          <a:ln w="254000">
+            <a:solidFill>
+              <a:schemeClr val="bg1"/>
+            </a:solidFill>
+          </a:ln>
+        </p:spPr>
+        <p:style>
+          <a:lnRef idx="2">
+            <a:schemeClr val="accent1">
+              <a:shade val="50000"/>
+            </a:schemeClr>
+          </a:lnRef>
+          <a:fillRef idx="1">
+            <a:schemeClr val="accent1"/>
+          </a:fillRef>
+          <a:effectRef idx="0">
+            <a:schemeClr val="accent1"/>
+          </a:effectRef>
+          <a:fontRef idx="minor">
+            <a:schemeClr val="lt1"/>
+          </a:fontRef>
+        </p:style>
+        <p:txBody>
+          <a:bodyPr rtlCol="0" anchor="ctr"/>
+          <a:lstStyle/>
+          <a:p>
+            <a:pPr algn="ctr"/>
+            <a:endParaRPr lang="en-US"/>
+          </a:p>
+        </p:txBody>
+      </p:sp>
+      <p:pic>
+        <p:nvPicPr>
+          <p:cNvPr id="35" name="Picture 34">
+            <a:extLst>
+              <a:ext uri="{FF2B5EF4-FFF2-40B4-BE49-F238E27FC236}">
+                <a16:creationId xmlns:a16="http://schemas.microsoft.com/office/drawing/2014/main" id="{113CE1AC-45DC-4D9A-96A7-BBC58D7E3DEC}"/>
+              </a:ext>
+            </a:extLst>
+          </p:cNvPr>
+          <p:cNvPicPr>
+            <a:picLocks noChangeAspect="1"/>
+          </p:cNvPicPr>
+          <p:nvPr/>
+        </p:nvPicPr>
+        <p:blipFill>
+          <a:blip r:embed="rId3">
+            <a:clrChange>
+              <a:clrFrom>
+                <a:srgbClr val="FFFFFF"/>
+              </a:clrFrom>
+              <a:clrTo>
+                <a:srgbClr val="FFFFFF">
+                  <a:alpha val="0"/>
+                </a:srgbClr>
+              </a:clrTo>
+            </a:clrChange>
+            <a:extLst>
+              <a:ext uri="{28A0092B-C50C-407E-A947-70E740481C1C}">
+                <a14:useLocalDpi xmlns:a14="http://schemas.microsoft.com/office/drawing/2010/main" val="0"/>
+              </a:ext>
+            </a:extLst>
+          </a:blip>
+          <a:stretch>
+            <a:fillRect/>
+          </a:stretch>
+        </p:blipFill>
+        <p:spPr>
+          <a:xfrm>
+            <a:off x="4266154" y="1661327"/>
+            <a:ext cx="4813582" cy="4855753"/>
+          </a:xfrm>
+          <a:prstGeom prst="rect">
+            <a:avLst/>
+          </a:prstGeom>
+        </p:spPr>
+      </p:pic>
+    </p:spTree>
+    <p:extLst>
+      <p:ext uri="{BB962C8B-B14F-4D97-AF65-F5344CB8AC3E}">
+        <p14:creationId xmlns:p14="http://schemas.microsoft.com/office/powerpoint/2010/main" val="1284514997"/>
+      </p:ext>
+    </p:extLst>
+  </p:cSld>
+  <p:clrMapOvr>
+    <a:masterClrMapping/>
+  </p:clrMapOvr>
+</p:sld>
+</file>
+
+<file path=ppt/slides/slide6.xml><?xml version="1.0" encoding="utf-8"?>
+<p:sld xmlns:a="http://schemas.openxmlformats.org/drawingml/2006/main" xmlns:r="http://schemas.openxmlformats.org/officeDocument/2006/relationships" xmlns:p="http://schemas.openxmlformats.org/presentationml/2006/main">
+  <p:cSld>
+    <p:spTree>
+      <p:nvGrpSpPr>
+        <p:cNvPr id="1" name=""/>
+        <p:cNvGrpSpPr/>
+        <p:nvPr/>
+      </p:nvGrpSpPr>
+      <p:grpSpPr>
+        <a:xfrm>
+          <a:off x="0" y="0"/>
+          <a:ext cx="0" cy="0"/>
+          <a:chOff x="0" y="0"/>
+          <a:chExt cx="0" cy="0"/>
+        </a:xfrm>
+      </p:grpSpPr>
+      <p:sp>
+        <p:nvSpPr>
+          <p:cNvPr id="2" name="Title 1">
+            <a:extLst>
+              <a:ext uri="{FF2B5EF4-FFF2-40B4-BE49-F238E27FC236}">
+                <a16:creationId xmlns:a16="http://schemas.microsoft.com/office/drawing/2014/main" id="{9022F265-5EB6-4703-B20C-0FB4BF49FAA8}"/>
+              </a:ext>
+            </a:extLst>
+          </p:cNvPr>
+          <p:cNvSpPr>
+            <a:spLocks noGrp="1"/>
+          </p:cNvSpPr>
+          <p:nvPr>
+            <p:ph type="title"/>
+          </p:nvPr>
+        </p:nvSpPr>
+        <p:spPr/>
+        <p:txBody>
+          <a:bodyPr/>
+          <a:lstStyle/>
+          <a:p>
+            <a:endParaRPr lang="en-US"/>
+          </a:p>
+        </p:txBody>
+      </p:sp>
+      <p:pic>
+        <p:nvPicPr>
+          <p:cNvPr id="7" name="Picture 6">
+            <a:extLst>
+              <a:ext uri="{FF2B5EF4-FFF2-40B4-BE49-F238E27FC236}">
+                <a16:creationId xmlns:a16="http://schemas.microsoft.com/office/drawing/2014/main" id="{C077709A-E03A-4AE4-A9AA-9D068215B3AC}"/>
+              </a:ext>
+            </a:extLst>
+          </p:cNvPr>
+          <p:cNvPicPr>
+            <a:picLocks noChangeAspect="1"/>
+          </p:cNvPicPr>
+          <p:nvPr/>
+        </p:nvPicPr>
+        <p:blipFill>
+          <a:blip r:embed="rId2" cstate="print">
+            <a:extLst>
+              <a:ext uri="{28A0092B-C50C-407E-A947-70E740481C1C}">
+                <a14:useLocalDpi xmlns:a14="http://schemas.microsoft.com/office/drawing/2010/main" val="0"/>
+              </a:ext>
+            </a:extLst>
+          </a:blip>
+          <a:stretch>
+            <a:fillRect/>
+          </a:stretch>
+        </p:blipFill>
+        <p:spPr>
+          <a:xfrm>
+            <a:off x="7162800" y="2133600"/>
+            <a:ext cx="1236485" cy="4533122"/>
+          </a:xfrm>
+          <a:prstGeom prst="rect">
+            <a:avLst/>
+          </a:prstGeom>
+        </p:spPr>
+      </p:pic>
+      <p:sp>
+        <p:nvSpPr>
+          <p:cNvPr id="9" name="Content Placeholder 8">
+            <a:extLst>
+              <a:ext uri="{FF2B5EF4-FFF2-40B4-BE49-F238E27FC236}">
+                <a16:creationId xmlns:a16="http://schemas.microsoft.com/office/drawing/2014/main" id="{0693E9A9-0618-4107-B5C5-B0B596F91040}"/>
+              </a:ext>
+            </a:extLst>
+          </p:cNvPr>
+          <p:cNvSpPr>
+            <a:spLocks noGrp="1"/>
+          </p:cNvSpPr>
+          <p:nvPr>
+            <p:ph idx="1"/>
+          </p:nvPr>
+        </p:nvSpPr>
+        <p:spPr/>
+        <p:txBody>
+          <a:bodyPr/>
+          <a:lstStyle/>
+          <a:p>
+            <a:endParaRPr lang="en-US" dirty="0"/>
+          </a:p>
+        </p:txBody>
+      </p:sp>
+    </p:spTree>
+    <p:extLst>
+      <p:ext uri="{BB962C8B-B14F-4D97-AF65-F5344CB8AC3E}">
+        <p14:creationId xmlns:p14="http://schemas.microsoft.com/office/powerpoint/2010/main" val="1889504397"/>
+      </p:ext>
+    </p:extLst>
+  </p:cSld>
+  <p:clrMapOvr>
+    <a:masterClrMapping/>
+  </p:clrMapOvr>
+</p:sld>
+</file>
+
+<file path=ppt/slides/slide7.xml><?xml version="1.0" encoding="utf-8"?>
+<p:sld xmlns:a="http://schemas.openxmlformats.org/drawingml/2006/main" xmlns:r="http://schemas.openxmlformats.org/officeDocument/2006/relationships" xmlns:p="http://schemas.openxmlformats.org/presentationml/2006/main">
+  <p:cSld>
+    <p:spTree>
+      <p:nvGrpSpPr>
+        <p:cNvPr id="1" name=""/>
+        <p:cNvGrpSpPr/>
+        <p:nvPr/>
+      </p:nvGrpSpPr>
+      <p:grpSpPr>
+        <a:xfrm>
+          <a:off x="0" y="0"/>
+          <a:ext cx="0" cy="0"/>
+          <a:chOff x="0" y="0"/>
+          <a:chExt cx="0" cy="0"/>
+        </a:xfrm>
+      </p:grpSpPr>
+      <p:sp>
+        <p:nvSpPr>
+          <p:cNvPr id="2" name="Title 1">
+            <a:extLst>
+              <a:ext uri="{FF2B5EF4-FFF2-40B4-BE49-F238E27FC236}">
+                <a16:creationId xmlns:a16="http://schemas.microsoft.com/office/drawing/2014/main" id="{848FC86F-2B51-4635-8B16-D7BDC121FEAC}"/>
+              </a:ext>
+            </a:extLst>
+          </p:cNvPr>
+          <p:cNvSpPr>
+            <a:spLocks noGrp="1"/>
+          </p:cNvSpPr>
+          <p:nvPr>
+            <p:ph type="title"/>
+          </p:nvPr>
+        </p:nvSpPr>
+        <p:spPr/>
+        <p:txBody>
+          <a:bodyPr/>
+          <a:lstStyle/>
+          <a:p>
+            <a:endParaRPr lang="en-US"/>
+          </a:p>
+        </p:txBody>
+      </p:sp>
+      <p:sp>
+        <p:nvSpPr>
+          <p:cNvPr id="8" name="Content Placeholder 7">
+            <a:extLst>
+              <a:ext uri="{FF2B5EF4-FFF2-40B4-BE49-F238E27FC236}">
+                <a16:creationId xmlns:a16="http://schemas.microsoft.com/office/drawing/2014/main" id="{213DF794-E1A2-439B-9B4F-F1DF793E86D6}"/>
+              </a:ext>
+            </a:extLst>
+          </p:cNvPr>
+          <p:cNvSpPr>
+            <a:spLocks noGrp="1"/>
+          </p:cNvSpPr>
+          <p:nvPr>
+            <p:ph idx="1"/>
+          </p:nvPr>
+        </p:nvSpPr>
+        <p:spPr/>
+        <p:txBody>
+          <a:bodyPr/>
+          <a:lstStyle/>
+          <a:p>
+            <a:endParaRPr lang="en-US"/>
+          </a:p>
+        </p:txBody>
+      </p:sp>
+    </p:spTree>
+    <p:extLst>
+      <p:ext uri="{BB962C8B-B14F-4D97-AF65-F5344CB8AC3E}">
+        <p14:creationId xmlns:p14="http://schemas.microsoft.com/office/powerpoint/2010/main" val="2023435880"/>
+      </p:ext>
+    </p:extLst>
+  </p:cSld>
+  <p:clrMapOvr>
+    <a:masterClrMapping/>
+  </p:clrMapOvr>
 </p:sld>
 </file>
 

--- a/Thesis/Presentation.pptx
+++ b/Thesis/Presentation.pptx
@@ -12,6 +12,9 @@
     <p:sldId id="260" r:id="rId6"/>
     <p:sldId id="261" r:id="rId7"/>
     <p:sldId id="262" r:id="rId8"/>
+    <p:sldId id="263" r:id="rId9"/>
+    <p:sldId id="264" r:id="rId10"/>
+    <p:sldId id="265" r:id="rId11"/>
   </p:sldIdLst>
   <p:sldSz cx="9144000" cy="6858000" type="screen4x3"/>
   <p:notesSz cx="6858000" cy="9144000"/>
@@ -308,7 +311,7 @@
           <a:p>
             <a:fld id="{BFE1333D-8A33-4674-98DB-52C522B29B7B}" type="datetimeFigureOut">
               <a:rPr lang="en-US" smtClean="0"/>
-              <a:t>9/22/2019</a:t>
+              <a:t>9/27/2019</a:t>
             </a:fld>
             <a:endParaRPr lang="en-US"/>
           </a:p>
@@ -476,7 +479,7 @@
           <a:p>
             <a:fld id="{BFE1333D-8A33-4674-98DB-52C522B29B7B}" type="datetimeFigureOut">
               <a:rPr lang="en-US" smtClean="0"/>
-              <a:t>9/22/2019</a:t>
+              <a:t>9/27/2019</a:t>
             </a:fld>
             <a:endParaRPr lang="en-US"/>
           </a:p>
@@ -654,7 +657,7 @@
           <a:p>
             <a:fld id="{BFE1333D-8A33-4674-98DB-52C522B29B7B}" type="datetimeFigureOut">
               <a:rPr lang="en-US" smtClean="0"/>
-              <a:t>9/22/2019</a:t>
+              <a:t>9/27/2019</a:t>
             </a:fld>
             <a:endParaRPr lang="en-US"/>
           </a:p>
@@ -822,7 +825,7 @@
           <a:p>
             <a:fld id="{BFE1333D-8A33-4674-98DB-52C522B29B7B}" type="datetimeFigureOut">
               <a:rPr lang="en-US" smtClean="0"/>
-              <a:t>9/22/2019</a:t>
+              <a:t>9/27/2019</a:t>
             </a:fld>
             <a:endParaRPr lang="en-US"/>
           </a:p>
@@ -1067,7 +1070,7 @@
           <a:p>
             <a:fld id="{BFE1333D-8A33-4674-98DB-52C522B29B7B}" type="datetimeFigureOut">
               <a:rPr lang="en-US" smtClean="0"/>
-              <a:t>9/22/2019</a:t>
+              <a:t>9/27/2019</a:t>
             </a:fld>
             <a:endParaRPr lang="en-US"/>
           </a:p>
@@ -1352,7 +1355,7 @@
           <a:p>
             <a:fld id="{BFE1333D-8A33-4674-98DB-52C522B29B7B}" type="datetimeFigureOut">
               <a:rPr lang="en-US" smtClean="0"/>
-              <a:t>9/22/2019</a:t>
+              <a:t>9/27/2019</a:t>
             </a:fld>
             <a:endParaRPr lang="en-US"/>
           </a:p>
@@ -1771,7 +1774,7 @@
           <a:p>
             <a:fld id="{BFE1333D-8A33-4674-98DB-52C522B29B7B}" type="datetimeFigureOut">
               <a:rPr lang="en-US" smtClean="0"/>
-              <a:t>9/22/2019</a:t>
+              <a:t>9/27/2019</a:t>
             </a:fld>
             <a:endParaRPr lang="en-US"/>
           </a:p>
@@ -1888,7 +1891,7 @@
           <a:p>
             <a:fld id="{BFE1333D-8A33-4674-98DB-52C522B29B7B}" type="datetimeFigureOut">
               <a:rPr lang="en-US" smtClean="0"/>
-              <a:t>9/22/2019</a:t>
+              <a:t>9/27/2019</a:t>
             </a:fld>
             <a:endParaRPr lang="en-US"/>
           </a:p>
@@ -1983,7 +1986,7 @@
           <a:p>
             <a:fld id="{BFE1333D-8A33-4674-98DB-52C522B29B7B}" type="datetimeFigureOut">
               <a:rPr lang="en-US" smtClean="0"/>
-              <a:t>9/22/2019</a:t>
+              <a:t>9/27/2019</a:t>
             </a:fld>
             <a:endParaRPr lang="en-US"/>
           </a:p>
@@ -2258,7 +2261,7 @@
           <a:p>
             <a:fld id="{BFE1333D-8A33-4674-98DB-52C522B29B7B}" type="datetimeFigureOut">
               <a:rPr lang="en-US" smtClean="0"/>
-              <a:t>9/22/2019</a:t>
+              <a:t>9/27/2019</a:t>
             </a:fld>
             <a:endParaRPr lang="en-US"/>
           </a:p>
@@ -2510,7 +2513,7 @@
           <a:p>
             <a:fld id="{BFE1333D-8A33-4674-98DB-52C522B29B7B}" type="datetimeFigureOut">
               <a:rPr lang="en-US" smtClean="0"/>
-              <a:t>9/22/2019</a:t>
+              <a:t>9/27/2019</a:t>
             </a:fld>
             <a:endParaRPr lang="en-US"/>
           </a:p>
@@ -2721,7 +2724,7 @@
           <a:p>
             <a:fld id="{BFE1333D-8A33-4674-98DB-52C522B29B7B}" type="datetimeFigureOut">
               <a:rPr lang="en-US" smtClean="0"/>
-              <a:t>9/22/2019</a:t>
+              <a:t>9/27/2019</a:t>
             </a:fld>
             <a:endParaRPr lang="en-US"/>
           </a:p>
@@ -3147,6 +3150,74 @@
 </p:sld>
 </file>
 
+<file path=ppt/slides/slide10.xml><?xml version="1.0" encoding="utf-8"?>
+<p:sld xmlns:a="http://schemas.openxmlformats.org/drawingml/2006/main" xmlns:r="http://schemas.openxmlformats.org/officeDocument/2006/relationships" xmlns:p="http://schemas.openxmlformats.org/presentationml/2006/main">
+  <p:cSld>
+    <p:spTree>
+      <p:nvGrpSpPr>
+        <p:cNvPr id="1" name=""/>
+        <p:cNvGrpSpPr/>
+        <p:nvPr/>
+      </p:nvGrpSpPr>
+      <p:grpSpPr>
+        <a:xfrm>
+          <a:off x="0" y="0"/>
+          <a:ext cx="0" cy="0"/>
+          <a:chOff x="0" y="0"/>
+          <a:chExt cx="0" cy="0"/>
+        </a:xfrm>
+      </p:grpSpPr>
+      <p:sp>
+        <p:nvSpPr>
+          <p:cNvPr id="2" name="Title 1"/>
+          <p:cNvSpPr>
+            <a:spLocks noGrp="1"/>
+          </p:cNvSpPr>
+          <p:nvPr>
+            <p:ph type="title"/>
+          </p:nvPr>
+        </p:nvSpPr>
+        <p:spPr/>
+        <p:txBody>
+          <a:bodyPr/>
+          <a:lstStyle/>
+          <a:p>
+            <a:endParaRPr lang="en-US"/>
+          </a:p>
+        </p:txBody>
+      </p:sp>
+      <p:sp>
+        <p:nvSpPr>
+          <p:cNvPr id="3" name="Content Placeholder 2"/>
+          <p:cNvSpPr>
+            <a:spLocks noGrp="1"/>
+          </p:cNvSpPr>
+          <p:nvPr>
+            <p:ph idx="1"/>
+          </p:nvPr>
+        </p:nvSpPr>
+        <p:spPr/>
+        <p:txBody>
+          <a:bodyPr/>
+          <a:lstStyle/>
+          <a:p>
+            <a:endParaRPr lang="en-US"/>
+          </a:p>
+        </p:txBody>
+      </p:sp>
+    </p:spTree>
+    <p:extLst>
+      <p:ext uri="{BB962C8B-B14F-4D97-AF65-F5344CB8AC3E}">
+        <p14:creationId xmlns:p14="http://schemas.microsoft.com/office/powerpoint/2010/main" val="3275010433"/>
+      </p:ext>
+    </p:extLst>
+  </p:cSld>
+  <p:clrMapOvr>
+    <a:masterClrMapping/>
+  </p:clrMapOvr>
+</p:sld>
+</file>
+
 <file path=ppt/slides/slide2.xml><?xml version="1.0" encoding="utf-8"?>
 <p:sld xmlns:a="http://schemas.openxmlformats.org/drawingml/2006/main" xmlns:r="http://schemas.openxmlformats.org/officeDocument/2006/relationships" xmlns:p="http://schemas.openxmlformats.org/presentationml/2006/main">
   <p:cSld>
@@ -5037,7 +5108,7 @@
           <p:cNvPr id="15" name="Content Placeholder 14">
             <a:extLst>
               <a:ext uri="{FF2B5EF4-FFF2-40B4-BE49-F238E27FC236}">
-                <a16:creationId xmlns:a16="http://schemas.microsoft.com/office/drawing/2014/main" id="{AA487297-B9BD-49CF-AF17-7877FA481B5E}"/>
+                <a16:creationId xmlns:a16="http://schemas.microsoft.com/office/drawing/2014/main" xmlns="" id="{AA487297-B9BD-49CF-AF17-7877FA481B5E}"/>
               </a:ext>
             </a:extLst>
           </p:cNvPr>
@@ -5102,7 +5173,7 @@
           <p:cNvPr id="2" name="Title 1">
             <a:extLst>
               <a:ext uri="{FF2B5EF4-FFF2-40B4-BE49-F238E27FC236}">
-                <a16:creationId xmlns:a16="http://schemas.microsoft.com/office/drawing/2014/main" id="{C002A959-F728-4DE8-87E5-1B3E9E42E5F9}"/>
+                <a16:creationId xmlns:a16="http://schemas.microsoft.com/office/drawing/2014/main" xmlns="" id="{C002A959-F728-4DE8-87E5-1B3E9E42E5F9}"/>
               </a:ext>
             </a:extLst>
           </p:cNvPr>
@@ -5132,7 +5203,7 @@
           <p:cNvPr id="5" name="Content Placeholder 4">
             <a:extLst>
               <a:ext uri="{FF2B5EF4-FFF2-40B4-BE49-F238E27FC236}">
-                <a16:creationId xmlns:a16="http://schemas.microsoft.com/office/drawing/2014/main" id="{2E70E514-57F8-4336-8007-46FE5CB05562}"/>
+                <a16:creationId xmlns:a16="http://schemas.microsoft.com/office/drawing/2014/main" xmlns="" id="{2E70E514-57F8-4336-8007-46FE5CB05562}"/>
               </a:ext>
             </a:extLst>
           </p:cNvPr>
@@ -5167,7 +5238,7 @@
           <p:cNvPr id="6" name="TextBox 5">
             <a:extLst>
               <a:ext uri="{FF2B5EF4-FFF2-40B4-BE49-F238E27FC236}">
-                <a16:creationId xmlns:a16="http://schemas.microsoft.com/office/drawing/2014/main" id="{22C6F401-75FA-47CA-A4D9-D731DD44D0BC}"/>
+                <a16:creationId xmlns:a16="http://schemas.microsoft.com/office/drawing/2014/main" xmlns="" id="{22C6F401-75FA-47CA-A4D9-D731DD44D0BC}"/>
               </a:ext>
             </a:extLst>
           </p:cNvPr>
@@ -5202,7 +5273,7 @@
           <p:cNvPr id="7" name="TextBox 6">
             <a:extLst>
               <a:ext uri="{FF2B5EF4-FFF2-40B4-BE49-F238E27FC236}">
-                <a16:creationId xmlns:a16="http://schemas.microsoft.com/office/drawing/2014/main" id="{C53183FF-09E9-4FD2-859E-58799B8CE59F}"/>
+                <a16:creationId xmlns:a16="http://schemas.microsoft.com/office/drawing/2014/main" xmlns="" id="{C53183FF-09E9-4FD2-859E-58799B8CE59F}"/>
               </a:ext>
             </a:extLst>
           </p:cNvPr>
@@ -5237,7 +5308,7 @@
           <p:cNvPr id="8" name="TextBox 7">
             <a:extLst>
               <a:ext uri="{FF2B5EF4-FFF2-40B4-BE49-F238E27FC236}">
-                <a16:creationId xmlns:a16="http://schemas.microsoft.com/office/drawing/2014/main" id="{A4C9C94B-1A5B-433D-9F2C-EDBF55536D10}"/>
+                <a16:creationId xmlns:a16="http://schemas.microsoft.com/office/drawing/2014/main" xmlns="" id="{A4C9C94B-1A5B-433D-9F2C-EDBF55536D10}"/>
               </a:ext>
             </a:extLst>
           </p:cNvPr>
@@ -5272,7 +5343,7 @@
           <p:cNvPr id="9" name="TextBox 8">
             <a:extLst>
               <a:ext uri="{FF2B5EF4-FFF2-40B4-BE49-F238E27FC236}">
-                <a16:creationId xmlns:a16="http://schemas.microsoft.com/office/drawing/2014/main" id="{F5F2827E-AB95-48CD-A560-1961358BEA67}"/>
+                <a16:creationId xmlns:a16="http://schemas.microsoft.com/office/drawing/2014/main" xmlns="" id="{F5F2827E-AB95-48CD-A560-1961358BEA67}"/>
               </a:ext>
             </a:extLst>
           </p:cNvPr>
@@ -5307,7 +5378,7 @@
           <p:cNvPr id="10" name="TextBox 9">
             <a:extLst>
               <a:ext uri="{FF2B5EF4-FFF2-40B4-BE49-F238E27FC236}">
-                <a16:creationId xmlns:a16="http://schemas.microsoft.com/office/drawing/2014/main" id="{5BB47F4B-236E-4573-AC01-219E454A02B0}"/>
+                <a16:creationId xmlns:a16="http://schemas.microsoft.com/office/drawing/2014/main" xmlns="" id="{5BB47F4B-236E-4573-AC01-219E454A02B0}"/>
               </a:ext>
             </a:extLst>
           </p:cNvPr>
@@ -5342,7 +5413,7 @@
           <p:cNvPr id="11" name="TextBox 10">
             <a:extLst>
               <a:ext uri="{FF2B5EF4-FFF2-40B4-BE49-F238E27FC236}">
-                <a16:creationId xmlns:a16="http://schemas.microsoft.com/office/drawing/2014/main" id="{CF4B7C18-E4D7-465A-A695-6478E7BAE011}"/>
+                <a16:creationId xmlns:a16="http://schemas.microsoft.com/office/drawing/2014/main" xmlns="" id="{CF4B7C18-E4D7-465A-A695-6478E7BAE011}"/>
               </a:ext>
             </a:extLst>
           </p:cNvPr>
@@ -5377,7 +5448,7 @@
           <p:cNvPr id="12" name="TextBox 11">
             <a:extLst>
               <a:ext uri="{FF2B5EF4-FFF2-40B4-BE49-F238E27FC236}">
-                <a16:creationId xmlns:a16="http://schemas.microsoft.com/office/drawing/2014/main" id="{4B21C4DB-26C5-48A1-8A11-FA4B747919F3}"/>
+                <a16:creationId xmlns:a16="http://schemas.microsoft.com/office/drawing/2014/main" xmlns="" id="{4B21C4DB-26C5-48A1-8A11-FA4B747919F3}"/>
               </a:ext>
             </a:extLst>
           </p:cNvPr>
@@ -5412,7 +5483,7 @@
           <p:cNvPr id="13" name="TextBox 12">
             <a:extLst>
               <a:ext uri="{FF2B5EF4-FFF2-40B4-BE49-F238E27FC236}">
-                <a16:creationId xmlns:a16="http://schemas.microsoft.com/office/drawing/2014/main" id="{809E4C4C-87FC-4F9B-92F1-B717B210B47F}"/>
+                <a16:creationId xmlns:a16="http://schemas.microsoft.com/office/drawing/2014/main" xmlns="" id="{809E4C4C-87FC-4F9B-92F1-B717B210B47F}"/>
               </a:ext>
             </a:extLst>
           </p:cNvPr>
@@ -5447,7 +5518,7 @@
           <p:cNvPr id="14" name="Oval 13">
             <a:extLst>
               <a:ext uri="{FF2B5EF4-FFF2-40B4-BE49-F238E27FC236}">
-                <a16:creationId xmlns:a16="http://schemas.microsoft.com/office/drawing/2014/main" id="{59700AE2-81B8-4A26-809E-093E3AFECABC}"/>
+                <a16:creationId xmlns:a16="http://schemas.microsoft.com/office/drawing/2014/main" xmlns="" id="{59700AE2-81B8-4A26-809E-093E3AFECABC}"/>
               </a:ext>
             </a:extLst>
           </p:cNvPr>
@@ -5495,7 +5566,7 @@
           <p:cNvPr id="15" name="Oval 14">
             <a:extLst>
               <a:ext uri="{FF2B5EF4-FFF2-40B4-BE49-F238E27FC236}">
-                <a16:creationId xmlns:a16="http://schemas.microsoft.com/office/drawing/2014/main" id="{F1A620E8-6757-437D-B200-8E306675B3FD}"/>
+                <a16:creationId xmlns:a16="http://schemas.microsoft.com/office/drawing/2014/main" xmlns="" id="{F1A620E8-6757-437D-B200-8E306675B3FD}"/>
               </a:ext>
             </a:extLst>
           </p:cNvPr>
@@ -5547,7 +5618,7 @@
           <p:cNvPr id="35" name="Picture 34">
             <a:extLst>
               <a:ext uri="{FF2B5EF4-FFF2-40B4-BE49-F238E27FC236}">
-                <a16:creationId xmlns:a16="http://schemas.microsoft.com/office/drawing/2014/main" id="{113CE1AC-45DC-4D9A-96A7-BBC58D7E3DEC}"/>
+                <a16:creationId xmlns:a16="http://schemas.microsoft.com/office/drawing/2014/main" xmlns="" id="{113CE1AC-45DC-4D9A-96A7-BBC58D7E3DEC}"/>
               </a:ext>
             </a:extLst>
           </p:cNvPr>
@@ -5623,7 +5694,7 @@
           <p:cNvPr id="2" name="Title 1">
             <a:extLst>
               <a:ext uri="{FF2B5EF4-FFF2-40B4-BE49-F238E27FC236}">
-                <a16:creationId xmlns:a16="http://schemas.microsoft.com/office/drawing/2014/main" id="{9022F265-5EB6-4703-B20C-0FB4BF49FAA8}"/>
+                <a16:creationId xmlns:a16="http://schemas.microsoft.com/office/drawing/2014/main" xmlns="" id="{9022F265-5EB6-4703-B20C-0FB4BF49FAA8}"/>
               </a:ext>
             </a:extLst>
           </p:cNvPr>
@@ -5648,7 +5719,7 @@
           <p:cNvPr id="7" name="Picture 6">
             <a:extLst>
               <a:ext uri="{FF2B5EF4-FFF2-40B4-BE49-F238E27FC236}">
-                <a16:creationId xmlns:a16="http://schemas.microsoft.com/office/drawing/2014/main" id="{C077709A-E03A-4AE4-A9AA-9D068215B3AC}"/>
+                <a16:creationId xmlns:a16="http://schemas.microsoft.com/office/drawing/2014/main" xmlns="" id="{C077709A-E03A-4AE4-A9AA-9D068215B3AC}"/>
               </a:ext>
             </a:extLst>
           </p:cNvPr>
@@ -5671,7 +5742,7 @@
         </p:blipFill>
         <p:spPr>
           <a:xfrm>
-            <a:off x="7162800" y="2133600"/>
+            <a:off x="5867400" y="1775603"/>
             <a:ext cx="1236485" cy="4533122"/>
           </a:xfrm>
           <a:prstGeom prst="rect">
@@ -5684,7 +5755,7 @@
           <p:cNvPr id="9" name="Content Placeholder 8">
             <a:extLst>
               <a:ext uri="{FF2B5EF4-FFF2-40B4-BE49-F238E27FC236}">
-                <a16:creationId xmlns:a16="http://schemas.microsoft.com/office/drawing/2014/main" id="{0693E9A9-0618-4107-B5C5-B0B596F91040}"/>
+                <a16:creationId xmlns:a16="http://schemas.microsoft.com/office/drawing/2014/main" xmlns="" id="{0693E9A9-0618-4107-B5C5-B0B596F91040}"/>
               </a:ext>
             </a:extLst>
           </p:cNvPr>
@@ -5739,7 +5810,7 @@
           <p:cNvPr id="2" name="Title 1">
             <a:extLst>
               <a:ext uri="{FF2B5EF4-FFF2-40B4-BE49-F238E27FC236}">
-                <a16:creationId xmlns:a16="http://schemas.microsoft.com/office/drawing/2014/main" id="{848FC86F-2B51-4635-8B16-D7BDC121FEAC}"/>
+                <a16:creationId xmlns:a16="http://schemas.microsoft.com/office/drawing/2014/main" xmlns="" id="{848FC86F-2B51-4635-8B16-D7BDC121FEAC}"/>
               </a:ext>
             </a:extLst>
           </p:cNvPr>
@@ -5759,28 +5830,152 @@
           </a:p>
         </p:txBody>
       </p:sp>
-      <p:sp>
-        <p:nvSpPr>
-          <p:cNvPr id="8" name="Content Placeholder 7">
+      <p:pic>
+        <p:nvPicPr>
+          <p:cNvPr id="3" name="Content Placeholder 2"/>
+          <p:cNvPicPr>
+            <a:picLocks noGrp="1" noChangeAspect="1"/>
+          </p:cNvPicPr>
+          <p:nvPr>
+            <p:ph idx="1"/>
+          </p:nvPr>
+        </p:nvPicPr>
+        <p:blipFill>
+          <a:blip r:embed="rId2" cstate="print">
             <a:extLst>
-              <a:ext uri="{FF2B5EF4-FFF2-40B4-BE49-F238E27FC236}">
-                <a16:creationId xmlns:a16="http://schemas.microsoft.com/office/drawing/2014/main" id="{213DF794-E1A2-439B-9B4F-F1DF793E86D6}"/>
+              <a:ext uri="{28A0092B-C50C-407E-A947-70E740481C1C}">
+                <a14:useLocalDpi xmlns:a14="http://schemas.microsoft.com/office/drawing/2010/main" val="0"/>
               </a:ext>
             </a:extLst>
-          </p:cNvPr>
-          <p:cNvSpPr>
-            <a:spLocks noGrp="1"/>
-          </p:cNvSpPr>
-          <p:nvPr>
-            <p:ph idx="1"/>
-          </p:nvPr>
-        </p:nvSpPr>
-        <p:spPr/>
-        <p:txBody>
-          <a:bodyPr/>
-          <a:lstStyle/>
-          <a:p>
-            <a:endParaRPr lang="en-US"/>
+          </a:blip>
+          <a:stretch>
+            <a:fillRect/>
+          </a:stretch>
+        </p:blipFill>
+        <p:spPr>
+          <a:xfrm>
+            <a:off x="3145510" y="2285999"/>
+            <a:ext cx="2848357" cy="1695451"/>
+          </a:xfrm>
+        </p:spPr>
+      </p:pic>
+      <p:pic>
+        <p:nvPicPr>
+          <p:cNvPr id="6" name="Picture 5"/>
+          <p:cNvPicPr>
+            <a:picLocks noChangeAspect="1"/>
+          </p:cNvPicPr>
+          <p:nvPr/>
+        </p:nvPicPr>
+        <p:blipFill>
+          <a:blip r:embed="rId3" cstate="print">
+            <a:extLst>
+              <a:ext uri="{28A0092B-C50C-407E-A947-70E740481C1C}">
+                <a14:useLocalDpi xmlns:a14="http://schemas.microsoft.com/office/drawing/2010/main" val="0"/>
+              </a:ext>
+            </a:extLst>
+          </a:blip>
+          <a:stretch>
+            <a:fillRect/>
+          </a:stretch>
+        </p:blipFill>
+        <p:spPr>
+          <a:xfrm>
+            <a:off x="5257800" y="2269118"/>
+            <a:ext cx="3048000" cy="1712333"/>
+          </a:xfrm>
+          <a:prstGeom prst="rect">
+            <a:avLst/>
+          </a:prstGeom>
+        </p:spPr>
+      </p:pic>
+      <p:pic>
+        <p:nvPicPr>
+          <p:cNvPr id="7" name="Picture 6"/>
+          <p:cNvPicPr>
+            <a:picLocks noChangeAspect="1"/>
+          </p:cNvPicPr>
+          <p:nvPr/>
+        </p:nvPicPr>
+        <p:blipFill>
+          <a:blip r:embed="rId4" cstate="print">
+            <a:extLst>
+              <a:ext uri="{28A0092B-C50C-407E-A947-70E740481C1C}">
+                <a14:useLocalDpi xmlns:a14="http://schemas.microsoft.com/office/drawing/2010/main" val="0"/>
+              </a:ext>
+            </a:extLst>
+          </a:blip>
+          <a:stretch>
+            <a:fillRect/>
+          </a:stretch>
+        </p:blipFill>
+        <p:spPr>
+          <a:xfrm>
+            <a:off x="685800" y="2279140"/>
+            <a:ext cx="3026328" cy="1702309"/>
+          </a:xfrm>
+          <a:prstGeom prst="rect">
+            <a:avLst/>
+          </a:prstGeom>
+        </p:spPr>
+      </p:pic>
+      <p:sp>
+        <p:nvSpPr>
+          <p:cNvPr id="9" name="TextBox 8"/>
+          <p:cNvSpPr txBox="1"/>
+          <p:nvPr/>
+        </p:nvSpPr>
+        <p:spPr>
+          <a:xfrm>
+            <a:off x="1504735" y="3612117"/>
+            <a:ext cx="1388457" cy="369332"/>
+          </a:xfrm>
+          <a:prstGeom prst="rect">
+            <a:avLst/>
+          </a:prstGeom>
+          <a:noFill/>
+        </p:spPr>
+        <p:txBody>
+          <a:bodyPr wrap="none" rtlCol="0">
+            <a:spAutoFit/>
+          </a:bodyPr>
+          <a:lstStyle/>
+          <a:p>
+            <a:r>
+              <a:rPr lang="en-US" dirty="0" smtClean="0"/>
+              <a:t>Environment</a:t>
+            </a:r>
+            <a:endParaRPr lang="en-US" dirty="0"/>
+          </a:p>
+        </p:txBody>
+      </p:sp>
+      <p:sp>
+        <p:nvSpPr>
+          <p:cNvPr id="10" name="TextBox 9"/>
+          <p:cNvSpPr txBox="1"/>
+          <p:nvPr/>
+        </p:nvSpPr>
+        <p:spPr>
+          <a:xfrm>
+            <a:off x="6041052" y="3627043"/>
+            <a:ext cx="1481496" cy="369332"/>
+          </a:xfrm>
+          <a:prstGeom prst="rect">
+            <a:avLst/>
+          </a:prstGeom>
+          <a:noFill/>
+        </p:spPr>
+        <p:txBody>
+          <a:bodyPr wrap="none" rtlCol="0">
+            <a:spAutoFit/>
+          </a:bodyPr>
+          <a:lstStyle/>
+          <a:p>
+            <a:r>
+              <a:rPr lang="en-US" dirty="0" smtClean="0"/>
+              <a:t>RL Algorithms</a:t>
+            </a:r>
+            <a:endParaRPr lang="en-US" dirty="0"/>
           </a:p>
         </p:txBody>
       </p:sp>
@@ -5788,6 +5983,142 @@
     <p:extLst>
       <p:ext uri="{BB962C8B-B14F-4D97-AF65-F5344CB8AC3E}">
         <p14:creationId xmlns:p14="http://schemas.microsoft.com/office/powerpoint/2010/main" val="2023435880"/>
+      </p:ext>
+    </p:extLst>
+  </p:cSld>
+  <p:clrMapOvr>
+    <a:masterClrMapping/>
+  </p:clrMapOvr>
+</p:sld>
+</file>
+
+<file path=ppt/slides/slide8.xml><?xml version="1.0" encoding="utf-8"?>
+<p:sld xmlns:a="http://schemas.openxmlformats.org/drawingml/2006/main" xmlns:r="http://schemas.openxmlformats.org/officeDocument/2006/relationships" xmlns:p="http://schemas.openxmlformats.org/presentationml/2006/main">
+  <p:cSld>
+    <p:spTree>
+      <p:nvGrpSpPr>
+        <p:cNvPr id="1" name=""/>
+        <p:cNvGrpSpPr/>
+        <p:nvPr/>
+      </p:nvGrpSpPr>
+      <p:grpSpPr>
+        <a:xfrm>
+          <a:off x="0" y="0"/>
+          <a:ext cx="0" cy="0"/>
+          <a:chOff x="0" y="0"/>
+          <a:chExt cx="0" cy="0"/>
+        </a:xfrm>
+      </p:grpSpPr>
+      <p:sp>
+        <p:nvSpPr>
+          <p:cNvPr id="2" name="Title 1"/>
+          <p:cNvSpPr>
+            <a:spLocks noGrp="1"/>
+          </p:cNvSpPr>
+          <p:nvPr>
+            <p:ph type="title"/>
+          </p:nvPr>
+        </p:nvSpPr>
+        <p:spPr/>
+        <p:txBody>
+          <a:bodyPr/>
+          <a:lstStyle/>
+          <a:p>
+            <a:endParaRPr lang="en-US"/>
+          </a:p>
+        </p:txBody>
+      </p:sp>
+      <p:sp>
+        <p:nvSpPr>
+          <p:cNvPr id="3" name="Content Placeholder 2"/>
+          <p:cNvSpPr>
+            <a:spLocks noGrp="1"/>
+          </p:cNvSpPr>
+          <p:nvPr>
+            <p:ph idx="1"/>
+          </p:nvPr>
+        </p:nvSpPr>
+        <p:spPr/>
+        <p:txBody>
+          <a:bodyPr/>
+          <a:lstStyle/>
+          <a:p>
+            <a:endParaRPr lang="en-US"/>
+          </a:p>
+        </p:txBody>
+      </p:sp>
+    </p:spTree>
+    <p:extLst>
+      <p:ext uri="{BB962C8B-B14F-4D97-AF65-F5344CB8AC3E}">
+        <p14:creationId xmlns:p14="http://schemas.microsoft.com/office/powerpoint/2010/main" val="2203457966"/>
+      </p:ext>
+    </p:extLst>
+  </p:cSld>
+  <p:clrMapOvr>
+    <a:masterClrMapping/>
+  </p:clrMapOvr>
+</p:sld>
+</file>
+
+<file path=ppt/slides/slide9.xml><?xml version="1.0" encoding="utf-8"?>
+<p:sld xmlns:a="http://schemas.openxmlformats.org/drawingml/2006/main" xmlns:r="http://schemas.openxmlformats.org/officeDocument/2006/relationships" xmlns:p="http://schemas.openxmlformats.org/presentationml/2006/main">
+  <p:cSld>
+    <p:spTree>
+      <p:nvGrpSpPr>
+        <p:cNvPr id="1" name=""/>
+        <p:cNvGrpSpPr/>
+        <p:nvPr/>
+      </p:nvGrpSpPr>
+      <p:grpSpPr>
+        <a:xfrm>
+          <a:off x="0" y="0"/>
+          <a:ext cx="0" cy="0"/>
+          <a:chOff x="0" y="0"/>
+          <a:chExt cx="0" cy="0"/>
+        </a:xfrm>
+      </p:grpSpPr>
+      <p:sp>
+        <p:nvSpPr>
+          <p:cNvPr id="2" name="Title 1"/>
+          <p:cNvSpPr>
+            <a:spLocks noGrp="1"/>
+          </p:cNvSpPr>
+          <p:nvPr>
+            <p:ph type="title"/>
+          </p:nvPr>
+        </p:nvSpPr>
+        <p:spPr/>
+        <p:txBody>
+          <a:bodyPr/>
+          <a:lstStyle/>
+          <a:p>
+            <a:endParaRPr lang="en-US"/>
+          </a:p>
+        </p:txBody>
+      </p:sp>
+      <p:sp>
+        <p:nvSpPr>
+          <p:cNvPr id="3" name="Content Placeholder 2"/>
+          <p:cNvSpPr>
+            <a:spLocks noGrp="1"/>
+          </p:cNvSpPr>
+          <p:nvPr>
+            <p:ph idx="1"/>
+          </p:nvPr>
+        </p:nvSpPr>
+        <p:spPr/>
+        <p:txBody>
+          <a:bodyPr/>
+          <a:lstStyle/>
+          <a:p>
+            <a:endParaRPr lang="en-US"/>
+          </a:p>
+        </p:txBody>
+      </p:sp>
+    </p:spTree>
+    <p:extLst>
+      <p:ext uri="{BB962C8B-B14F-4D97-AF65-F5344CB8AC3E}">
+        <p14:creationId xmlns:p14="http://schemas.microsoft.com/office/powerpoint/2010/main" val="467281161"/>
       </p:ext>
     </p:extLst>
   </p:cSld>

--- a/Thesis/Presentation.pptx
+++ b/Thesis/Presentation.pptx
@@ -311,7 +311,7 @@
           <a:p>
             <a:fld id="{BFE1333D-8A33-4674-98DB-52C522B29B7B}" type="datetimeFigureOut">
               <a:rPr lang="en-US" smtClean="0"/>
-              <a:t>9/27/2019</a:t>
+              <a:t>10/1/2019</a:t>
             </a:fld>
             <a:endParaRPr lang="en-US"/>
           </a:p>
@@ -479,7 +479,7 @@
           <a:p>
             <a:fld id="{BFE1333D-8A33-4674-98DB-52C522B29B7B}" type="datetimeFigureOut">
               <a:rPr lang="en-US" smtClean="0"/>
-              <a:t>9/27/2019</a:t>
+              <a:t>10/1/2019</a:t>
             </a:fld>
             <a:endParaRPr lang="en-US"/>
           </a:p>
@@ -657,7 +657,7 @@
           <a:p>
             <a:fld id="{BFE1333D-8A33-4674-98DB-52C522B29B7B}" type="datetimeFigureOut">
               <a:rPr lang="en-US" smtClean="0"/>
-              <a:t>9/27/2019</a:t>
+              <a:t>10/1/2019</a:t>
             </a:fld>
             <a:endParaRPr lang="en-US"/>
           </a:p>
@@ -825,7 +825,7 @@
           <a:p>
             <a:fld id="{BFE1333D-8A33-4674-98DB-52C522B29B7B}" type="datetimeFigureOut">
               <a:rPr lang="en-US" smtClean="0"/>
-              <a:t>9/27/2019</a:t>
+              <a:t>10/1/2019</a:t>
             </a:fld>
             <a:endParaRPr lang="en-US"/>
           </a:p>
@@ -1070,7 +1070,7 @@
           <a:p>
             <a:fld id="{BFE1333D-8A33-4674-98DB-52C522B29B7B}" type="datetimeFigureOut">
               <a:rPr lang="en-US" smtClean="0"/>
-              <a:t>9/27/2019</a:t>
+              <a:t>10/1/2019</a:t>
             </a:fld>
             <a:endParaRPr lang="en-US"/>
           </a:p>
@@ -1355,7 +1355,7 @@
           <a:p>
             <a:fld id="{BFE1333D-8A33-4674-98DB-52C522B29B7B}" type="datetimeFigureOut">
               <a:rPr lang="en-US" smtClean="0"/>
-              <a:t>9/27/2019</a:t>
+              <a:t>10/1/2019</a:t>
             </a:fld>
             <a:endParaRPr lang="en-US"/>
           </a:p>
@@ -1774,7 +1774,7 @@
           <a:p>
             <a:fld id="{BFE1333D-8A33-4674-98DB-52C522B29B7B}" type="datetimeFigureOut">
               <a:rPr lang="en-US" smtClean="0"/>
-              <a:t>9/27/2019</a:t>
+              <a:t>10/1/2019</a:t>
             </a:fld>
             <a:endParaRPr lang="en-US"/>
           </a:p>
@@ -1891,7 +1891,7 @@
           <a:p>
             <a:fld id="{BFE1333D-8A33-4674-98DB-52C522B29B7B}" type="datetimeFigureOut">
               <a:rPr lang="en-US" smtClean="0"/>
-              <a:t>9/27/2019</a:t>
+              <a:t>10/1/2019</a:t>
             </a:fld>
             <a:endParaRPr lang="en-US"/>
           </a:p>
@@ -1986,7 +1986,7 @@
           <a:p>
             <a:fld id="{BFE1333D-8A33-4674-98DB-52C522B29B7B}" type="datetimeFigureOut">
               <a:rPr lang="en-US" smtClean="0"/>
-              <a:t>9/27/2019</a:t>
+              <a:t>10/1/2019</a:t>
             </a:fld>
             <a:endParaRPr lang="en-US"/>
           </a:p>
@@ -2261,7 +2261,7 @@
           <a:p>
             <a:fld id="{BFE1333D-8A33-4674-98DB-52C522B29B7B}" type="datetimeFigureOut">
               <a:rPr lang="en-US" smtClean="0"/>
-              <a:t>9/27/2019</a:t>
+              <a:t>10/1/2019</a:t>
             </a:fld>
             <a:endParaRPr lang="en-US"/>
           </a:p>
@@ -2513,7 +2513,7 @@
           <a:p>
             <a:fld id="{BFE1333D-8A33-4674-98DB-52C522B29B7B}" type="datetimeFigureOut">
               <a:rPr lang="en-US" smtClean="0"/>
-              <a:t>9/27/2019</a:t>
+              <a:t>10/1/2019</a:t>
             </a:fld>
             <a:endParaRPr lang="en-US"/>
           </a:p>
@@ -2724,7 +2724,7 @@
           <a:p>
             <a:fld id="{BFE1333D-8A33-4674-98DB-52C522B29B7B}" type="datetimeFigureOut">
               <a:rPr lang="en-US" smtClean="0"/>
-              <a:t>9/27/2019</a:t>
+              <a:t>10/1/2019</a:t>
             </a:fld>
             <a:endParaRPr lang="en-US"/>
           </a:p>
@@ -3182,26 +3182,639 @@
           <a:bodyPr/>
           <a:lstStyle/>
           <a:p>
+            <a:endParaRPr lang="en-US" dirty="0"/>
+          </a:p>
+        </p:txBody>
+      </p:sp>
+      <p:pic>
+        <p:nvPicPr>
+          <p:cNvPr id="4" name="Content Placeholder 3"/>
+          <p:cNvPicPr>
+            <a:picLocks noGrp="1" noChangeAspect="1"/>
+          </p:cNvPicPr>
+          <p:nvPr>
+            <p:ph idx="1"/>
+          </p:nvPr>
+        </p:nvPicPr>
+        <p:blipFill>
+          <a:blip r:embed="rId2">
+            <a:extLst>
+              <a:ext uri="{28A0092B-C50C-407E-A947-70E740481C1C}">
+                <a14:useLocalDpi xmlns:a14="http://schemas.microsoft.com/office/drawing/2010/main" val="0"/>
+              </a:ext>
+            </a:extLst>
+          </a:blip>
+          <a:stretch>
+            <a:fillRect/>
+          </a:stretch>
+        </p:blipFill>
+        <p:spPr>
+          <a:xfrm>
+            <a:off x="813923" y="3003645"/>
+            <a:ext cx="7872877" cy="1644556"/>
+          </a:xfrm>
+        </p:spPr>
+      </p:pic>
+      <p:sp>
+        <p:nvSpPr>
+          <p:cNvPr id="5" name="Rectangle 4"/>
+          <p:cNvSpPr/>
+          <p:nvPr/>
+        </p:nvSpPr>
+        <p:spPr>
+          <a:xfrm>
+            <a:off x="990600" y="2895598"/>
+            <a:ext cx="7924799" cy="1854000"/>
+          </a:xfrm>
+          <a:prstGeom prst="rect">
+            <a:avLst/>
+          </a:prstGeom>
+          <a:noFill/>
+          <a:ln>
+            <a:solidFill>
+              <a:srgbClr val="FF0000"/>
+            </a:solidFill>
+          </a:ln>
+        </p:spPr>
+        <p:style>
+          <a:lnRef idx="2">
+            <a:schemeClr val="accent6"/>
+          </a:lnRef>
+          <a:fillRef idx="1">
+            <a:schemeClr val="lt1"/>
+          </a:fillRef>
+          <a:effectRef idx="0">
+            <a:schemeClr val="accent6"/>
+          </a:effectRef>
+          <a:fontRef idx="minor">
+            <a:schemeClr val="dk1"/>
+          </a:fontRef>
+        </p:style>
+        <p:txBody>
+          <a:bodyPr rtlCol="0" anchor="ctr"/>
+          <a:lstStyle/>
+          <a:p>
+            <a:pPr algn="ctr"/>
             <a:endParaRPr lang="en-US"/>
           </a:p>
         </p:txBody>
       </p:sp>
-      <p:sp>
-        <p:nvSpPr>
-          <p:cNvPr id="3" name="Content Placeholder 2"/>
-          <p:cNvSpPr>
-            <a:spLocks noGrp="1"/>
-          </p:cNvSpPr>
-          <p:nvPr>
-            <p:ph idx="1"/>
-          </p:nvPr>
-        </p:nvSpPr>
-        <p:spPr/>
-        <p:txBody>
-          <a:bodyPr/>
-          <a:lstStyle/>
-          <a:p>
+      <p:cxnSp>
+        <p:nvCxnSpPr>
+          <p:cNvPr id="7" name="Straight Arrow Connector 6"/>
+          <p:cNvCxnSpPr/>
+          <p:nvPr/>
+        </p:nvCxnSpPr>
+        <p:spPr>
+          <a:xfrm flipV="1">
+            <a:off x="1324466" y="3511485"/>
+            <a:ext cx="0" cy="304800"/>
+          </a:xfrm>
+          <a:prstGeom prst="straightConnector1">
+            <a:avLst/>
+          </a:prstGeom>
+          <a:ln>
+            <a:tailEnd type="triangle"/>
+          </a:ln>
+        </p:spPr>
+        <p:style>
+          <a:lnRef idx="1">
+            <a:schemeClr val="accent1"/>
+          </a:lnRef>
+          <a:fillRef idx="0">
+            <a:schemeClr val="accent1"/>
+          </a:fillRef>
+          <a:effectRef idx="0">
+            <a:schemeClr val="accent1"/>
+          </a:effectRef>
+          <a:fontRef idx="minor">
+            <a:schemeClr val="tx1"/>
+          </a:fontRef>
+        </p:style>
+      </p:cxnSp>
+      <p:cxnSp>
+        <p:nvCxnSpPr>
+          <p:cNvPr id="9" name="Straight Arrow Connector 8"/>
+          <p:cNvCxnSpPr/>
+          <p:nvPr/>
+        </p:nvCxnSpPr>
+        <p:spPr>
+          <a:xfrm flipV="1">
+            <a:off x="1324466" y="3810000"/>
+            <a:ext cx="199534" cy="6285"/>
+          </a:xfrm>
+          <a:prstGeom prst="straightConnector1">
+            <a:avLst/>
+          </a:prstGeom>
+          <a:ln>
+            <a:tailEnd type="triangle"/>
+          </a:ln>
+        </p:spPr>
+        <p:style>
+          <a:lnRef idx="1">
+            <a:schemeClr val="accent1"/>
+          </a:lnRef>
+          <a:fillRef idx="0">
+            <a:schemeClr val="accent1"/>
+          </a:fillRef>
+          <a:effectRef idx="0">
+            <a:schemeClr val="accent1"/>
+          </a:effectRef>
+          <a:fontRef idx="minor">
+            <a:schemeClr val="tx1"/>
+          </a:fontRef>
+        </p:style>
+      </p:cxnSp>
+      <p:cxnSp>
+        <p:nvCxnSpPr>
+          <p:cNvPr id="19" name="Straight Connector 18"/>
+          <p:cNvCxnSpPr/>
+          <p:nvPr/>
+        </p:nvCxnSpPr>
+        <p:spPr>
+          <a:xfrm>
+            <a:off x="990600" y="4749598"/>
+            <a:ext cx="0" cy="127202"/>
+          </a:xfrm>
+          <a:prstGeom prst="line">
+            <a:avLst/>
+          </a:prstGeom>
+          <a:ln>
+            <a:solidFill>
+              <a:schemeClr val="bg1">
+                <a:lumMod val="50000"/>
+              </a:schemeClr>
+            </a:solidFill>
+            <a:prstDash val="sysDash"/>
+          </a:ln>
+        </p:spPr>
+        <p:style>
+          <a:lnRef idx="1">
+            <a:schemeClr val="accent1"/>
+          </a:lnRef>
+          <a:fillRef idx="0">
+            <a:schemeClr val="accent1"/>
+          </a:fillRef>
+          <a:effectRef idx="0">
+            <a:schemeClr val="accent1"/>
+          </a:effectRef>
+          <a:fontRef idx="minor">
+            <a:schemeClr val="tx1"/>
+          </a:fontRef>
+        </p:style>
+      </p:cxnSp>
+      <p:cxnSp>
+        <p:nvCxnSpPr>
+          <p:cNvPr id="21" name="Straight Connector 20"/>
+          <p:cNvCxnSpPr/>
+          <p:nvPr/>
+        </p:nvCxnSpPr>
+        <p:spPr>
+          <a:xfrm>
+            <a:off x="1324466" y="3810000"/>
+            <a:ext cx="0" cy="1066800"/>
+          </a:xfrm>
+          <a:prstGeom prst="line">
+            <a:avLst/>
+          </a:prstGeom>
+          <a:ln>
+            <a:solidFill>
+              <a:schemeClr val="bg1">
+                <a:lumMod val="50000"/>
+              </a:schemeClr>
+            </a:solidFill>
+            <a:prstDash val="sysDash"/>
+          </a:ln>
+        </p:spPr>
+        <p:style>
+          <a:lnRef idx="1">
+            <a:schemeClr val="accent1"/>
+          </a:lnRef>
+          <a:fillRef idx="0">
+            <a:schemeClr val="accent1"/>
+          </a:fillRef>
+          <a:effectRef idx="0">
+            <a:schemeClr val="accent1"/>
+          </a:effectRef>
+          <a:fontRef idx="minor">
+            <a:schemeClr val="tx1"/>
+          </a:fontRef>
+        </p:style>
+      </p:cxnSp>
+      <p:cxnSp>
+        <p:nvCxnSpPr>
+          <p:cNvPr id="25" name="Straight Connector 24"/>
+          <p:cNvCxnSpPr/>
+          <p:nvPr/>
+        </p:nvCxnSpPr>
+        <p:spPr>
+          <a:xfrm flipH="1">
+            <a:off x="762000" y="2895598"/>
+            <a:ext cx="228600" cy="0"/>
+          </a:xfrm>
+          <a:prstGeom prst="line">
+            <a:avLst/>
+          </a:prstGeom>
+          <a:ln>
+            <a:solidFill>
+              <a:schemeClr val="bg1">
+                <a:lumMod val="50000"/>
+              </a:schemeClr>
+            </a:solidFill>
+            <a:prstDash val="sysDash"/>
+          </a:ln>
+        </p:spPr>
+        <p:style>
+          <a:lnRef idx="1">
+            <a:schemeClr val="accent1"/>
+          </a:lnRef>
+          <a:fillRef idx="0">
+            <a:schemeClr val="accent1"/>
+          </a:fillRef>
+          <a:effectRef idx="0">
+            <a:schemeClr val="accent1"/>
+          </a:effectRef>
+          <a:fontRef idx="minor">
+            <a:schemeClr val="tx1"/>
+          </a:fontRef>
+        </p:style>
+      </p:cxnSp>
+      <p:cxnSp>
+        <p:nvCxnSpPr>
+          <p:cNvPr id="30" name="Straight Connector 29"/>
+          <p:cNvCxnSpPr/>
+          <p:nvPr/>
+        </p:nvCxnSpPr>
+        <p:spPr>
+          <a:xfrm flipH="1">
+            <a:off x="756000" y="4752000"/>
+            <a:ext cx="228600" cy="0"/>
+          </a:xfrm>
+          <a:prstGeom prst="line">
+            <a:avLst/>
+          </a:prstGeom>
+          <a:ln>
+            <a:solidFill>
+              <a:schemeClr val="bg1">
+                <a:lumMod val="50000"/>
+              </a:schemeClr>
+            </a:solidFill>
+            <a:prstDash val="sysDash"/>
+          </a:ln>
+        </p:spPr>
+        <p:style>
+          <a:lnRef idx="1">
+            <a:schemeClr val="accent1"/>
+          </a:lnRef>
+          <a:fillRef idx="0">
+            <a:schemeClr val="accent1"/>
+          </a:fillRef>
+          <a:effectRef idx="0">
+            <a:schemeClr val="accent1"/>
+          </a:effectRef>
+          <a:fontRef idx="minor">
+            <a:schemeClr val="tx1"/>
+          </a:fontRef>
+        </p:style>
+      </p:cxnSp>
+      <p:cxnSp>
+        <p:nvCxnSpPr>
+          <p:cNvPr id="31" name="Straight Connector 30"/>
+          <p:cNvCxnSpPr/>
+          <p:nvPr/>
+        </p:nvCxnSpPr>
+        <p:spPr>
+          <a:xfrm>
+            <a:off x="8915399" y="4749598"/>
+            <a:ext cx="0" cy="127202"/>
+          </a:xfrm>
+          <a:prstGeom prst="line">
+            <a:avLst/>
+          </a:prstGeom>
+          <a:ln>
+            <a:solidFill>
+              <a:schemeClr val="bg1">
+                <a:lumMod val="50000"/>
+              </a:schemeClr>
+            </a:solidFill>
+            <a:prstDash val="sysDash"/>
+          </a:ln>
+        </p:spPr>
+        <p:style>
+          <a:lnRef idx="1">
+            <a:schemeClr val="accent1"/>
+          </a:lnRef>
+          <a:fillRef idx="0">
+            <a:schemeClr val="accent1"/>
+          </a:fillRef>
+          <a:effectRef idx="0">
+            <a:schemeClr val="accent1"/>
+          </a:effectRef>
+          <a:fontRef idx="minor">
+            <a:schemeClr val="tx1"/>
+          </a:fontRef>
+        </p:style>
+      </p:cxnSp>
+      <p:sp>
+        <p:nvSpPr>
+          <p:cNvPr id="32" name="Left Brace 31"/>
+          <p:cNvSpPr/>
+          <p:nvPr/>
+        </p:nvSpPr>
+        <p:spPr>
+          <a:xfrm>
+            <a:off x="538221" y="2895598"/>
+            <a:ext cx="223779" cy="1854000"/>
+          </a:xfrm>
+          <a:prstGeom prst="leftBrace">
+            <a:avLst>
+              <a:gd name="adj1" fmla="val 113618"/>
+              <a:gd name="adj2" fmla="val 50000"/>
+            </a:avLst>
+          </a:prstGeom>
+        </p:spPr>
+        <p:style>
+          <a:lnRef idx="1">
+            <a:schemeClr val="accent1"/>
+          </a:lnRef>
+          <a:fillRef idx="0">
+            <a:schemeClr val="accent1"/>
+          </a:fillRef>
+          <a:effectRef idx="0">
+            <a:schemeClr val="accent1"/>
+          </a:effectRef>
+          <a:fontRef idx="minor">
+            <a:schemeClr val="tx1"/>
+          </a:fontRef>
+        </p:style>
+        <p:txBody>
+          <a:bodyPr rtlCol="0" anchor="ctr"/>
+          <a:lstStyle/>
+          <a:p>
+            <a:pPr algn="ctr"/>
             <a:endParaRPr lang="en-US"/>
+          </a:p>
+        </p:txBody>
+      </p:sp>
+      <p:sp>
+        <p:nvSpPr>
+          <p:cNvPr id="33" name="Left Brace 32"/>
+          <p:cNvSpPr/>
+          <p:nvPr/>
+        </p:nvSpPr>
+        <p:spPr>
+          <a:xfrm rot="16200000">
+            <a:off x="1089696" y="4771705"/>
+            <a:ext cx="129677" cy="339867"/>
+          </a:xfrm>
+          <a:prstGeom prst="leftBrace">
+            <a:avLst>
+              <a:gd name="adj1" fmla="val 113618"/>
+              <a:gd name="adj2" fmla="val 50000"/>
+            </a:avLst>
+          </a:prstGeom>
+        </p:spPr>
+        <p:style>
+          <a:lnRef idx="1">
+            <a:schemeClr val="accent1"/>
+          </a:lnRef>
+          <a:fillRef idx="0">
+            <a:schemeClr val="accent1"/>
+          </a:fillRef>
+          <a:effectRef idx="0">
+            <a:schemeClr val="accent1"/>
+          </a:effectRef>
+          <a:fontRef idx="minor">
+            <a:schemeClr val="tx1"/>
+          </a:fontRef>
+        </p:style>
+        <p:txBody>
+          <a:bodyPr rtlCol="0" anchor="ctr"/>
+          <a:lstStyle/>
+          <a:p>
+            <a:pPr algn="ctr"/>
+            <a:endParaRPr lang="en-US"/>
+          </a:p>
+        </p:txBody>
+      </p:sp>
+      <p:sp>
+        <p:nvSpPr>
+          <p:cNvPr id="34" name="Left Brace 33"/>
+          <p:cNvSpPr/>
+          <p:nvPr/>
+        </p:nvSpPr>
+        <p:spPr>
+          <a:xfrm rot="16200000">
+            <a:off x="5061045" y="1147244"/>
+            <a:ext cx="117776" cy="7590933"/>
+          </a:xfrm>
+          <a:prstGeom prst="leftBrace">
+            <a:avLst>
+              <a:gd name="adj1" fmla="val 113618"/>
+              <a:gd name="adj2" fmla="val 50000"/>
+            </a:avLst>
+          </a:prstGeom>
+        </p:spPr>
+        <p:style>
+          <a:lnRef idx="1">
+            <a:schemeClr val="accent1"/>
+          </a:lnRef>
+          <a:fillRef idx="0">
+            <a:schemeClr val="accent1"/>
+          </a:fillRef>
+          <a:effectRef idx="0">
+            <a:schemeClr val="accent1"/>
+          </a:effectRef>
+          <a:fontRef idx="minor">
+            <a:schemeClr val="tx1"/>
+          </a:fontRef>
+        </p:style>
+        <p:txBody>
+          <a:bodyPr rtlCol="0" anchor="ctr"/>
+          <a:lstStyle/>
+          <a:p>
+            <a:pPr algn="ctr"/>
+            <a:endParaRPr lang="en-US"/>
+          </a:p>
+        </p:txBody>
+      </p:sp>
+      <p:sp>
+        <p:nvSpPr>
+          <p:cNvPr id="35" name="TextBox 34"/>
+          <p:cNvSpPr txBox="1"/>
+          <p:nvPr/>
+        </p:nvSpPr>
+        <p:spPr>
+          <a:xfrm>
+            <a:off x="4761297" y="5001599"/>
+            <a:ext cx="720069" cy="369332"/>
+          </a:xfrm>
+          <a:prstGeom prst="rect">
+            <a:avLst/>
+          </a:prstGeom>
+          <a:noFill/>
+        </p:spPr>
+        <p:txBody>
+          <a:bodyPr wrap="none" rtlCol="0">
+            <a:spAutoFit/>
+          </a:bodyPr>
+          <a:lstStyle/>
+          <a:p>
+            <a:r>
+              <a:rPr lang="en-US" dirty="0" smtClean="0"/>
+              <a:t>750m</a:t>
+            </a:r>
+            <a:endParaRPr lang="en-US" dirty="0"/>
+          </a:p>
+        </p:txBody>
+      </p:sp>
+      <p:sp>
+        <p:nvSpPr>
+          <p:cNvPr id="36" name="TextBox 35"/>
+          <p:cNvSpPr txBox="1"/>
+          <p:nvPr/>
+        </p:nvSpPr>
+        <p:spPr>
+          <a:xfrm>
+            <a:off x="908793" y="4964057"/>
+            <a:ext cx="486030" cy="369332"/>
+          </a:xfrm>
+          <a:prstGeom prst="rect">
+            <a:avLst/>
+          </a:prstGeom>
+          <a:noFill/>
+        </p:spPr>
+        <p:txBody>
+          <a:bodyPr wrap="none" rtlCol="0">
+            <a:spAutoFit/>
+          </a:bodyPr>
+          <a:lstStyle/>
+          <a:p>
+            <a:r>
+              <a:rPr lang="en-US" dirty="0" smtClean="0"/>
+              <a:t>4m</a:t>
+            </a:r>
+            <a:endParaRPr lang="en-US" dirty="0"/>
+          </a:p>
+        </p:txBody>
+      </p:sp>
+      <p:sp>
+        <p:nvSpPr>
+          <p:cNvPr id="37" name="TextBox 36"/>
+          <p:cNvSpPr txBox="1"/>
+          <p:nvPr/>
+        </p:nvSpPr>
+        <p:spPr>
+          <a:xfrm>
+            <a:off x="-17726" y="3625334"/>
+            <a:ext cx="603050" cy="369332"/>
+          </a:xfrm>
+          <a:prstGeom prst="rect">
+            <a:avLst/>
+          </a:prstGeom>
+          <a:noFill/>
+        </p:spPr>
+        <p:txBody>
+          <a:bodyPr wrap="none" rtlCol="0">
+            <a:spAutoFit/>
+          </a:bodyPr>
+          <a:lstStyle/>
+          <a:p>
+            <a:r>
+              <a:rPr lang="en-US" dirty="0" smtClean="0"/>
+              <a:t>22m</a:t>
+            </a:r>
+            <a:endParaRPr lang="en-US" dirty="0"/>
+          </a:p>
+        </p:txBody>
+      </p:sp>
+      <p:sp>
+        <p:nvSpPr>
+          <p:cNvPr id="38" name="TextBox 37"/>
+          <p:cNvSpPr txBox="1"/>
+          <p:nvPr/>
+        </p:nvSpPr>
+        <p:spPr>
+          <a:xfrm>
+            <a:off x="1981200" y="3637932"/>
+            <a:ext cx="301686" cy="369332"/>
+          </a:xfrm>
+          <a:prstGeom prst="rect">
+            <a:avLst/>
+          </a:prstGeom>
+          <a:noFill/>
+        </p:spPr>
+        <p:txBody>
+          <a:bodyPr wrap="none" rtlCol="0">
+            <a:spAutoFit/>
+          </a:bodyPr>
+          <a:lstStyle/>
+          <a:p>
+            <a:r>
+              <a:rPr lang="en-US" dirty="0" smtClean="0"/>
+              <a:t>0</a:t>
+            </a:r>
+            <a:endParaRPr lang="en-US" dirty="0"/>
+          </a:p>
+        </p:txBody>
+      </p:sp>
+      <p:sp>
+        <p:nvSpPr>
+          <p:cNvPr id="39" name="TextBox 38"/>
+          <p:cNvSpPr txBox="1"/>
+          <p:nvPr/>
+        </p:nvSpPr>
+        <p:spPr>
+          <a:xfrm>
+            <a:off x="1905000" y="3297637"/>
+            <a:ext cx="420308" cy="369332"/>
+          </a:xfrm>
+          <a:prstGeom prst="rect">
+            <a:avLst/>
+          </a:prstGeom>
+          <a:noFill/>
+        </p:spPr>
+        <p:txBody>
+          <a:bodyPr wrap="none" rtlCol="0">
+            <a:spAutoFit/>
+          </a:bodyPr>
+          <a:lstStyle/>
+          <a:p>
+            <a:r>
+              <a:rPr lang="en-US" dirty="0" smtClean="0"/>
+              <a:t>-w</a:t>
+            </a:r>
+            <a:endParaRPr lang="en-US" dirty="0"/>
+          </a:p>
+        </p:txBody>
+      </p:sp>
+      <p:sp>
+        <p:nvSpPr>
+          <p:cNvPr id="40" name="TextBox 39"/>
+          <p:cNvSpPr txBox="1"/>
+          <p:nvPr/>
+        </p:nvSpPr>
+        <p:spPr>
+          <a:xfrm>
+            <a:off x="1882558" y="3948429"/>
+            <a:ext cx="465192" cy="369332"/>
+          </a:xfrm>
+          <a:prstGeom prst="rect">
+            <a:avLst/>
+          </a:prstGeom>
+          <a:noFill/>
+        </p:spPr>
+        <p:txBody>
+          <a:bodyPr wrap="none" rtlCol="0">
+            <a:spAutoFit/>
+          </a:bodyPr>
+          <a:lstStyle/>
+          <a:p>
+            <a:r>
+              <a:rPr lang="en-US" dirty="0" smtClean="0"/>
+              <a:t>+w</a:t>
+            </a:r>
+            <a:endParaRPr lang="en-US" dirty="0"/>
           </a:p>
         </p:txBody>
       </p:sp>
@@ -3215,6 +3828,13 @@
   <p:clrMapOvr>
     <a:masterClrMapping/>
   </p:clrMapOvr>
+  <p:timing>
+    <p:tnLst>
+      <p:par>
+        <p:cTn id="1" dur="indefinite" restart="never" nodeType="tmRoot"/>
+      </p:par>
+    </p:tnLst>
+  </p:timing>
 </p:sld>
 </file>
 
@@ -5108,7 +5728,7 @@
           <p:cNvPr id="15" name="Content Placeholder 14">
             <a:extLst>
               <a:ext uri="{FF2B5EF4-FFF2-40B4-BE49-F238E27FC236}">
-                <a16:creationId xmlns:a16="http://schemas.microsoft.com/office/drawing/2014/main" xmlns="" id="{AA487297-B9BD-49CF-AF17-7877FA481B5E}"/>
+                <a16:creationId xmlns="" xmlns:a16="http://schemas.microsoft.com/office/drawing/2014/main" id="{AA487297-B9BD-49CF-AF17-7877FA481B5E}"/>
               </a:ext>
             </a:extLst>
           </p:cNvPr>
@@ -5173,7 +5793,7 @@
           <p:cNvPr id="2" name="Title 1">
             <a:extLst>
               <a:ext uri="{FF2B5EF4-FFF2-40B4-BE49-F238E27FC236}">
-                <a16:creationId xmlns:a16="http://schemas.microsoft.com/office/drawing/2014/main" xmlns="" id="{C002A959-F728-4DE8-87E5-1B3E9E42E5F9}"/>
+                <a16:creationId xmlns="" xmlns:a16="http://schemas.microsoft.com/office/drawing/2014/main" id="{C002A959-F728-4DE8-87E5-1B3E9E42E5F9}"/>
               </a:ext>
             </a:extLst>
           </p:cNvPr>
@@ -5203,7 +5823,7 @@
           <p:cNvPr id="5" name="Content Placeholder 4">
             <a:extLst>
               <a:ext uri="{FF2B5EF4-FFF2-40B4-BE49-F238E27FC236}">
-                <a16:creationId xmlns:a16="http://schemas.microsoft.com/office/drawing/2014/main" xmlns="" id="{2E70E514-57F8-4336-8007-46FE5CB05562}"/>
+                <a16:creationId xmlns="" xmlns:a16="http://schemas.microsoft.com/office/drawing/2014/main" id="{2E70E514-57F8-4336-8007-46FE5CB05562}"/>
               </a:ext>
             </a:extLst>
           </p:cNvPr>
@@ -5238,7 +5858,7 @@
           <p:cNvPr id="6" name="TextBox 5">
             <a:extLst>
               <a:ext uri="{FF2B5EF4-FFF2-40B4-BE49-F238E27FC236}">
-                <a16:creationId xmlns:a16="http://schemas.microsoft.com/office/drawing/2014/main" xmlns="" id="{22C6F401-75FA-47CA-A4D9-D731DD44D0BC}"/>
+                <a16:creationId xmlns="" xmlns:a16="http://schemas.microsoft.com/office/drawing/2014/main" id="{22C6F401-75FA-47CA-A4D9-D731DD44D0BC}"/>
               </a:ext>
             </a:extLst>
           </p:cNvPr>
@@ -5273,7 +5893,7 @@
           <p:cNvPr id="7" name="TextBox 6">
             <a:extLst>
               <a:ext uri="{FF2B5EF4-FFF2-40B4-BE49-F238E27FC236}">
-                <a16:creationId xmlns:a16="http://schemas.microsoft.com/office/drawing/2014/main" xmlns="" id="{C53183FF-09E9-4FD2-859E-58799B8CE59F}"/>
+                <a16:creationId xmlns="" xmlns:a16="http://schemas.microsoft.com/office/drawing/2014/main" id="{C53183FF-09E9-4FD2-859E-58799B8CE59F}"/>
               </a:ext>
             </a:extLst>
           </p:cNvPr>
@@ -5308,7 +5928,7 @@
           <p:cNvPr id="8" name="TextBox 7">
             <a:extLst>
               <a:ext uri="{FF2B5EF4-FFF2-40B4-BE49-F238E27FC236}">
-                <a16:creationId xmlns:a16="http://schemas.microsoft.com/office/drawing/2014/main" xmlns="" id="{A4C9C94B-1A5B-433D-9F2C-EDBF55536D10}"/>
+                <a16:creationId xmlns="" xmlns:a16="http://schemas.microsoft.com/office/drawing/2014/main" id="{A4C9C94B-1A5B-433D-9F2C-EDBF55536D10}"/>
               </a:ext>
             </a:extLst>
           </p:cNvPr>
@@ -5343,7 +5963,7 @@
           <p:cNvPr id="9" name="TextBox 8">
             <a:extLst>
               <a:ext uri="{FF2B5EF4-FFF2-40B4-BE49-F238E27FC236}">
-                <a16:creationId xmlns:a16="http://schemas.microsoft.com/office/drawing/2014/main" xmlns="" id="{F5F2827E-AB95-48CD-A560-1961358BEA67}"/>
+                <a16:creationId xmlns="" xmlns:a16="http://schemas.microsoft.com/office/drawing/2014/main" id="{F5F2827E-AB95-48CD-A560-1961358BEA67}"/>
               </a:ext>
             </a:extLst>
           </p:cNvPr>
@@ -5378,7 +5998,7 @@
           <p:cNvPr id="10" name="TextBox 9">
             <a:extLst>
               <a:ext uri="{FF2B5EF4-FFF2-40B4-BE49-F238E27FC236}">
-                <a16:creationId xmlns:a16="http://schemas.microsoft.com/office/drawing/2014/main" xmlns="" id="{5BB47F4B-236E-4573-AC01-219E454A02B0}"/>
+                <a16:creationId xmlns="" xmlns:a16="http://schemas.microsoft.com/office/drawing/2014/main" id="{5BB47F4B-236E-4573-AC01-219E454A02B0}"/>
               </a:ext>
             </a:extLst>
           </p:cNvPr>
@@ -5413,7 +6033,7 @@
           <p:cNvPr id="11" name="TextBox 10">
             <a:extLst>
               <a:ext uri="{FF2B5EF4-FFF2-40B4-BE49-F238E27FC236}">
-                <a16:creationId xmlns:a16="http://schemas.microsoft.com/office/drawing/2014/main" xmlns="" id="{CF4B7C18-E4D7-465A-A695-6478E7BAE011}"/>
+                <a16:creationId xmlns="" xmlns:a16="http://schemas.microsoft.com/office/drawing/2014/main" id="{CF4B7C18-E4D7-465A-A695-6478E7BAE011}"/>
               </a:ext>
             </a:extLst>
           </p:cNvPr>
@@ -5448,7 +6068,7 @@
           <p:cNvPr id="12" name="TextBox 11">
             <a:extLst>
               <a:ext uri="{FF2B5EF4-FFF2-40B4-BE49-F238E27FC236}">
-                <a16:creationId xmlns:a16="http://schemas.microsoft.com/office/drawing/2014/main" xmlns="" id="{4B21C4DB-26C5-48A1-8A11-FA4B747919F3}"/>
+                <a16:creationId xmlns="" xmlns:a16="http://schemas.microsoft.com/office/drawing/2014/main" id="{4B21C4DB-26C5-48A1-8A11-FA4B747919F3}"/>
               </a:ext>
             </a:extLst>
           </p:cNvPr>
@@ -5483,7 +6103,7 @@
           <p:cNvPr id="13" name="TextBox 12">
             <a:extLst>
               <a:ext uri="{FF2B5EF4-FFF2-40B4-BE49-F238E27FC236}">
-                <a16:creationId xmlns:a16="http://schemas.microsoft.com/office/drawing/2014/main" xmlns="" id="{809E4C4C-87FC-4F9B-92F1-B717B210B47F}"/>
+                <a16:creationId xmlns="" xmlns:a16="http://schemas.microsoft.com/office/drawing/2014/main" id="{809E4C4C-87FC-4F9B-92F1-B717B210B47F}"/>
               </a:ext>
             </a:extLst>
           </p:cNvPr>
@@ -5518,7 +6138,7 @@
           <p:cNvPr id="14" name="Oval 13">
             <a:extLst>
               <a:ext uri="{FF2B5EF4-FFF2-40B4-BE49-F238E27FC236}">
-                <a16:creationId xmlns:a16="http://schemas.microsoft.com/office/drawing/2014/main" xmlns="" id="{59700AE2-81B8-4A26-809E-093E3AFECABC}"/>
+                <a16:creationId xmlns="" xmlns:a16="http://schemas.microsoft.com/office/drawing/2014/main" id="{59700AE2-81B8-4A26-809E-093E3AFECABC}"/>
               </a:ext>
             </a:extLst>
           </p:cNvPr>
@@ -5566,7 +6186,7 @@
           <p:cNvPr id="15" name="Oval 14">
             <a:extLst>
               <a:ext uri="{FF2B5EF4-FFF2-40B4-BE49-F238E27FC236}">
-                <a16:creationId xmlns:a16="http://schemas.microsoft.com/office/drawing/2014/main" xmlns="" id="{F1A620E8-6757-437D-B200-8E306675B3FD}"/>
+                <a16:creationId xmlns="" xmlns:a16="http://schemas.microsoft.com/office/drawing/2014/main" id="{F1A620E8-6757-437D-B200-8E306675B3FD}"/>
               </a:ext>
             </a:extLst>
           </p:cNvPr>
@@ -5618,7 +6238,7 @@
           <p:cNvPr id="35" name="Picture 34">
             <a:extLst>
               <a:ext uri="{FF2B5EF4-FFF2-40B4-BE49-F238E27FC236}">
-                <a16:creationId xmlns:a16="http://schemas.microsoft.com/office/drawing/2014/main" xmlns="" id="{113CE1AC-45DC-4D9A-96A7-BBC58D7E3DEC}"/>
+                <a16:creationId xmlns="" xmlns:a16="http://schemas.microsoft.com/office/drawing/2014/main" id="{113CE1AC-45DC-4D9A-96A7-BBC58D7E3DEC}"/>
               </a:ext>
             </a:extLst>
           </p:cNvPr>
@@ -5694,7 +6314,7 @@
           <p:cNvPr id="2" name="Title 1">
             <a:extLst>
               <a:ext uri="{FF2B5EF4-FFF2-40B4-BE49-F238E27FC236}">
-                <a16:creationId xmlns:a16="http://schemas.microsoft.com/office/drawing/2014/main" xmlns="" id="{9022F265-5EB6-4703-B20C-0FB4BF49FAA8}"/>
+                <a16:creationId xmlns="" xmlns:a16="http://schemas.microsoft.com/office/drawing/2014/main" id="{9022F265-5EB6-4703-B20C-0FB4BF49FAA8}"/>
               </a:ext>
             </a:extLst>
           </p:cNvPr>
@@ -5719,7 +6339,7 @@
           <p:cNvPr id="7" name="Picture 6">
             <a:extLst>
               <a:ext uri="{FF2B5EF4-FFF2-40B4-BE49-F238E27FC236}">
-                <a16:creationId xmlns:a16="http://schemas.microsoft.com/office/drawing/2014/main" xmlns="" id="{C077709A-E03A-4AE4-A9AA-9D068215B3AC}"/>
+                <a16:creationId xmlns="" xmlns:a16="http://schemas.microsoft.com/office/drawing/2014/main" id="{C077709A-E03A-4AE4-A9AA-9D068215B3AC}"/>
               </a:ext>
             </a:extLst>
           </p:cNvPr>
@@ -5755,7 +6375,7 @@
           <p:cNvPr id="9" name="Content Placeholder 8">
             <a:extLst>
               <a:ext uri="{FF2B5EF4-FFF2-40B4-BE49-F238E27FC236}">
-                <a16:creationId xmlns:a16="http://schemas.microsoft.com/office/drawing/2014/main" xmlns="" id="{0693E9A9-0618-4107-B5C5-B0B596F91040}"/>
+                <a16:creationId xmlns="" xmlns:a16="http://schemas.microsoft.com/office/drawing/2014/main" id="{0693E9A9-0618-4107-B5C5-B0B596F91040}"/>
               </a:ext>
             </a:extLst>
           </p:cNvPr>
@@ -5810,7 +6430,7 @@
           <p:cNvPr id="2" name="Title 1">
             <a:extLst>
               <a:ext uri="{FF2B5EF4-FFF2-40B4-BE49-F238E27FC236}">
-                <a16:creationId xmlns:a16="http://schemas.microsoft.com/office/drawing/2014/main" xmlns="" id="{848FC86F-2B51-4635-8B16-D7BDC121FEAC}"/>
+                <a16:creationId xmlns="" xmlns:a16="http://schemas.microsoft.com/office/drawing/2014/main" id="{848FC86F-2B51-4635-8B16-D7BDC121FEAC}"/>
               </a:ext>
             </a:extLst>
           </p:cNvPr>
@@ -5995,6 +6615,14 @@
 <file path=ppt/slides/slide8.xml><?xml version="1.0" encoding="utf-8"?>
 <p:sld xmlns:a="http://schemas.openxmlformats.org/drawingml/2006/main" xmlns:r="http://schemas.openxmlformats.org/officeDocument/2006/relationships" xmlns:p="http://schemas.openxmlformats.org/presentationml/2006/main">
   <p:cSld>
+    <p:bg>
+      <p:bgPr>
+        <a:solidFill>
+          <a:srgbClr val="92D050"/>
+        </a:solidFill>
+        <a:effectLst/>
+      </p:bgPr>
+    </p:bg>
     <p:spTree>
       <p:nvGrpSpPr>
         <p:cNvPr id="1" name=""/>
@@ -6024,25 +6652,147 @@
           <a:bodyPr/>
           <a:lstStyle/>
           <a:p>
+            <a:endParaRPr lang="en-US" dirty="0"/>
+          </a:p>
+        </p:txBody>
+      </p:sp>
+      <p:sp>
+        <p:nvSpPr>
+          <p:cNvPr id="4" name="Rectangle 3"/>
+          <p:cNvSpPr/>
+          <p:nvPr/>
+        </p:nvSpPr>
+        <p:spPr>
+          <a:xfrm>
+            <a:off x="626489" y="1959372"/>
+            <a:ext cx="8153400" cy="1545828"/>
+          </a:xfrm>
+          <a:prstGeom prst="rect">
+            <a:avLst/>
+          </a:prstGeom>
+          <a:solidFill>
+            <a:schemeClr val="bg1">
+              <a:lumMod val="85000"/>
+            </a:schemeClr>
+          </a:solidFill>
+          <a:ln w="22225">
+            <a:prstDash val="sysDash"/>
+          </a:ln>
+          <a:effectLst/>
+        </p:spPr>
+        <p:style>
+          <a:lnRef idx="1">
+            <a:schemeClr val="dk1"/>
+          </a:lnRef>
+          <a:fillRef idx="2">
+            <a:schemeClr val="dk1"/>
+          </a:fillRef>
+          <a:effectRef idx="1">
+            <a:schemeClr val="dk1"/>
+          </a:effectRef>
+          <a:fontRef idx="minor">
+            <a:schemeClr val="dk1"/>
+          </a:fontRef>
+        </p:style>
+        <p:txBody>
+          <a:bodyPr rtlCol="0" anchor="ctr"/>
+          <a:lstStyle/>
+          <a:p>
+            <a:pPr algn="ctr"/>
             <a:endParaRPr lang="en-US"/>
           </a:p>
         </p:txBody>
       </p:sp>
       <p:sp>
         <p:nvSpPr>
-          <p:cNvPr id="3" name="Content Placeholder 2"/>
-          <p:cNvSpPr>
-            <a:spLocks noGrp="1"/>
-          </p:cNvSpPr>
-          <p:nvPr>
-            <p:ph idx="1"/>
-          </p:nvPr>
-        </p:nvSpPr>
-        <p:spPr/>
-        <p:txBody>
-          <a:bodyPr/>
-          <a:lstStyle/>
-          <a:p>
+          <p:cNvPr id="5" name="Rectangle 4"/>
+          <p:cNvSpPr/>
+          <p:nvPr/>
+        </p:nvSpPr>
+        <p:spPr>
+          <a:xfrm>
+            <a:off x="719579" y="2242344"/>
+            <a:ext cx="7967221" cy="653256"/>
+          </a:xfrm>
+          <a:prstGeom prst="rect">
+            <a:avLst/>
+          </a:prstGeom>
+          <a:noFill/>
+          <a:ln>
+            <a:solidFill>
+              <a:schemeClr val="bg1"/>
+            </a:solidFill>
+            <a:prstDash val="dash"/>
+          </a:ln>
+        </p:spPr>
+        <p:style>
+          <a:lnRef idx="2">
+            <a:schemeClr val="accent1">
+              <a:shade val="50000"/>
+            </a:schemeClr>
+          </a:lnRef>
+          <a:fillRef idx="1">
+            <a:schemeClr val="accent1"/>
+          </a:fillRef>
+          <a:effectRef idx="0">
+            <a:schemeClr val="accent1"/>
+          </a:effectRef>
+          <a:fontRef idx="minor">
+            <a:schemeClr val="lt1"/>
+          </a:fontRef>
+        </p:style>
+        <p:txBody>
+          <a:bodyPr rtlCol="0" anchor="ctr"/>
+          <a:lstStyle/>
+          <a:p>
+            <a:pPr algn="ctr"/>
+            <a:endParaRPr lang="en-US"/>
+          </a:p>
+        </p:txBody>
+      </p:sp>
+      <p:sp>
+        <p:nvSpPr>
+          <p:cNvPr id="7" name="Rectangle 6"/>
+          <p:cNvSpPr/>
+          <p:nvPr/>
+        </p:nvSpPr>
+        <p:spPr>
+          <a:xfrm>
+            <a:off x="719579" y="2574091"/>
+            <a:ext cx="7967221" cy="653256"/>
+          </a:xfrm>
+          <a:prstGeom prst="rect">
+            <a:avLst/>
+          </a:prstGeom>
+          <a:noFill/>
+          <a:ln>
+            <a:solidFill>
+              <a:schemeClr val="bg1"/>
+            </a:solidFill>
+            <a:prstDash val="dash"/>
+          </a:ln>
+        </p:spPr>
+        <p:style>
+          <a:lnRef idx="2">
+            <a:schemeClr val="accent1">
+              <a:shade val="50000"/>
+            </a:schemeClr>
+          </a:lnRef>
+          <a:fillRef idx="1">
+            <a:schemeClr val="accent1"/>
+          </a:fillRef>
+          <a:effectRef idx="0">
+            <a:schemeClr val="accent1"/>
+          </a:effectRef>
+          <a:fontRef idx="minor">
+            <a:schemeClr val="lt1"/>
+          </a:fontRef>
+        </p:style>
+        <p:txBody>
+          <a:bodyPr rtlCol="0" anchor="ctr"/>
+          <a:lstStyle/>
+          <a:p>
+            <a:pPr algn="ctr"/>
             <a:endParaRPr lang="en-US"/>
           </a:p>
         </p:txBody>
@@ -6057,6 +6807,13 @@
   <p:clrMapOvr>
     <a:masterClrMapping/>
   </p:clrMapOvr>
+  <p:timing>
+    <p:tnLst>
+      <p:par>
+        <p:cTn id="1" dur="indefinite" restart="never" nodeType="tmRoot"/>
+      </p:par>
+    </p:tnLst>
+  </p:timing>
 </p:sld>
 </file>
 
@@ -6096,22 +6853,234 @@
           </a:p>
         </p:txBody>
       </p:sp>
-      <p:sp>
-        <p:nvSpPr>
-          <p:cNvPr id="3" name="Content Placeholder 2"/>
-          <p:cNvSpPr>
-            <a:spLocks noGrp="1"/>
-          </p:cNvSpPr>
+      <p:pic>
+        <p:nvPicPr>
+          <p:cNvPr id="4" name="Content Placeholder 3"/>
+          <p:cNvPicPr>
+            <a:picLocks noGrp="1" noChangeAspect="1"/>
+          </p:cNvPicPr>
           <p:nvPr>
             <p:ph idx="1"/>
           </p:nvPr>
-        </p:nvSpPr>
-        <p:spPr/>
-        <p:txBody>
-          <a:bodyPr/>
-          <a:lstStyle/>
-          <a:p>
+        </p:nvPicPr>
+        <p:blipFill>
+          <a:blip r:embed="rId2">
+            <a:extLst>
+              <a:ext uri="{28A0092B-C50C-407E-A947-70E740481C1C}">
+                <a14:useLocalDpi xmlns:a14="http://schemas.microsoft.com/office/drawing/2010/main" val="0"/>
+              </a:ext>
+            </a:extLst>
+          </a:blip>
+          <a:stretch>
+            <a:fillRect/>
+          </a:stretch>
+        </p:blipFill>
+        <p:spPr>
+          <a:xfrm>
+            <a:off x="298241" y="1701289"/>
+            <a:ext cx="8229600" cy="1718924"/>
+          </a:xfrm>
+        </p:spPr>
+      </p:pic>
+      <p:pic>
+        <p:nvPicPr>
+          <p:cNvPr id="5" name="Picture 4"/>
+          <p:cNvPicPr>
+            <a:picLocks noChangeAspect="1"/>
+          </p:cNvPicPr>
+          <p:nvPr/>
+        </p:nvPicPr>
+        <p:blipFill>
+          <a:blip r:embed="rId3" cstate="print">
+            <a:extLst>
+              <a:ext uri="{28A0092B-C50C-407E-A947-70E740481C1C}">
+                <a14:useLocalDpi xmlns:a14="http://schemas.microsoft.com/office/drawing/2010/main" val="0"/>
+              </a:ext>
+            </a:extLst>
+          </a:blip>
+          <a:stretch>
+            <a:fillRect/>
+          </a:stretch>
+        </p:blipFill>
+        <p:spPr>
+          <a:xfrm rot="5400000">
+            <a:off x="741041" y="2261570"/>
+            <a:ext cx="288000" cy="559872"/>
+          </a:xfrm>
+          <a:prstGeom prst="rect">
+            <a:avLst/>
+          </a:prstGeom>
+        </p:spPr>
+      </p:pic>
+      <p:sp>
+        <p:nvSpPr>
+          <p:cNvPr id="6" name="Right Brace 5"/>
+          <p:cNvSpPr/>
+          <p:nvPr/>
+        </p:nvSpPr>
+        <p:spPr>
+          <a:xfrm flipH="1">
+            <a:off x="597467" y="5256567"/>
+            <a:ext cx="151200" cy="324000"/>
+          </a:xfrm>
+          <a:prstGeom prst="rightBrace">
+            <a:avLst>
+              <a:gd name="adj1" fmla="val 33627"/>
+              <a:gd name="adj2" fmla="val 50000"/>
+            </a:avLst>
+          </a:prstGeom>
+        </p:spPr>
+        <p:style>
+          <a:lnRef idx="1">
+            <a:schemeClr val="accent1"/>
+          </a:lnRef>
+          <a:fillRef idx="0">
+            <a:schemeClr val="accent1"/>
+          </a:fillRef>
+          <a:effectRef idx="0">
+            <a:schemeClr val="accent1"/>
+          </a:effectRef>
+          <a:fontRef idx="minor">
+            <a:schemeClr val="tx1"/>
+          </a:fontRef>
+        </p:style>
+        <p:txBody>
+          <a:bodyPr rtlCol="0" anchor="ctr"/>
+          <a:lstStyle/>
+          <a:p>
+            <a:pPr algn="ctr"/>
             <a:endParaRPr lang="en-US"/>
+          </a:p>
+        </p:txBody>
+      </p:sp>
+      <p:sp>
+        <p:nvSpPr>
+          <p:cNvPr id="7" name="TextBox 6"/>
+          <p:cNvSpPr txBox="1"/>
+          <p:nvPr/>
+        </p:nvSpPr>
+        <p:spPr>
+          <a:xfrm>
+            <a:off x="0" y="5193268"/>
+            <a:ext cx="660758" cy="369332"/>
+          </a:xfrm>
+          <a:prstGeom prst="rect">
+            <a:avLst/>
+          </a:prstGeom>
+          <a:noFill/>
+        </p:spPr>
+        <p:txBody>
+          <a:bodyPr wrap="none" rtlCol="0">
+            <a:spAutoFit/>
+          </a:bodyPr>
+          <a:lstStyle/>
+          <a:p>
+            <a:r>
+              <a:rPr lang="en-US" dirty="0" smtClean="0"/>
+              <a:t>3.5m</a:t>
+            </a:r>
+            <a:endParaRPr lang="en-US" dirty="0"/>
+          </a:p>
+        </p:txBody>
+      </p:sp>
+      <p:pic>
+        <p:nvPicPr>
+          <p:cNvPr id="8" name="Picture 7"/>
+          <p:cNvPicPr>
+            <a:picLocks noChangeAspect="1"/>
+          </p:cNvPicPr>
+          <p:nvPr/>
+        </p:nvPicPr>
+        <p:blipFill>
+          <a:blip r:embed="rId4">
+            <a:extLst>
+              <a:ext uri="{28A0092B-C50C-407E-A947-70E740481C1C}">
+                <a14:useLocalDpi xmlns:a14="http://schemas.microsoft.com/office/drawing/2010/main" val="0"/>
+              </a:ext>
+            </a:extLst>
+          </a:blip>
+          <a:stretch>
+            <a:fillRect/>
+          </a:stretch>
+        </p:blipFill>
+        <p:spPr>
+          <a:xfrm>
+            <a:off x="787631" y="3979061"/>
+            <a:ext cx="7799255" cy="1629178"/>
+          </a:xfrm>
+          <a:prstGeom prst="rect">
+            <a:avLst/>
+          </a:prstGeom>
+        </p:spPr>
+      </p:pic>
+      <p:sp>
+        <p:nvSpPr>
+          <p:cNvPr id="9" name="Right Brace 8"/>
+          <p:cNvSpPr/>
+          <p:nvPr/>
+        </p:nvSpPr>
+        <p:spPr>
+          <a:xfrm rot="5400000">
+            <a:off x="4568638" y="1857793"/>
+            <a:ext cx="228600" cy="7790615"/>
+          </a:xfrm>
+          <a:prstGeom prst="rightBrace">
+            <a:avLst>
+              <a:gd name="adj1" fmla="val 81762"/>
+              <a:gd name="adj2" fmla="val 50000"/>
+            </a:avLst>
+          </a:prstGeom>
+        </p:spPr>
+        <p:style>
+          <a:lnRef idx="1">
+            <a:schemeClr val="accent1"/>
+          </a:lnRef>
+          <a:fillRef idx="0">
+            <a:schemeClr val="accent1"/>
+          </a:fillRef>
+          <a:effectRef idx="0">
+            <a:schemeClr val="accent1"/>
+          </a:effectRef>
+          <a:fontRef idx="minor">
+            <a:schemeClr val="tx1"/>
+          </a:fontRef>
+        </p:style>
+        <p:txBody>
+          <a:bodyPr rtlCol="0" anchor="ctr"/>
+          <a:lstStyle/>
+          <a:p>
+            <a:pPr algn="ctr"/>
+            <a:endParaRPr lang="en-US"/>
+          </a:p>
+        </p:txBody>
+      </p:sp>
+      <p:sp>
+        <p:nvSpPr>
+          <p:cNvPr id="10" name="TextBox 9"/>
+          <p:cNvSpPr txBox="1"/>
+          <p:nvPr/>
+        </p:nvSpPr>
+        <p:spPr>
+          <a:xfrm>
+            <a:off x="4322903" y="5867401"/>
+            <a:ext cx="720069" cy="369332"/>
+          </a:xfrm>
+          <a:prstGeom prst="rect">
+            <a:avLst/>
+          </a:prstGeom>
+          <a:noFill/>
+        </p:spPr>
+        <p:txBody>
+          <a:bodyPr wrap="none" rtlCol="0">
+            <a:spAutoFit/>
+          </a:bodyPr>
+          <a:lstStyle/>
+          <a:p>
+            <a:r>
+              <a:rPr lang="en-US" dirty="0" smtClean="0"/>
+              <a:t>750m</a:t>
+            </a:r>
+            <a:endParaRPr lang="en-US" dirty="0"/>
           </a:p>
         </p:txBody>
       </p:sp>
@@ -6125,6 +7094,13 @@
   <p:clrMapOvr>
     <a:masterClrMapping/>
   </p:clrMapOvr>
+  <p:timing>
+    <p:tnLst>
+      <p:par>
+        <p:cTn id="1" dur="indefinite" restart="never" nodeType="tmRoot"/>
+      </p:par>
+    </p:tnLst>
+  </p:timing>
 </p:sld>
 </file>
 

--- a/Thesis/Presentation.pptx
+++ b/Thesis/Presentation.pptx
@@ -311,7 +311,7 @@
           <a:p>
             <a:fld id="{BFE1333D-8A33-4674-98DB-52C522B29B7B}" type="datetimeFigureOut">
               <a:rPr lang="en-US" smtClean="0"/>
-              <a:t>10/1/2019</a:t>
+              <a:t>10/3/2019</a:t>
             </a:fld>
             <a:endParaRPr lang="en-US"/>
           </a:p>
@@ -479,7 +479,7 @@
           <a:p>
             <a:fld id="{BFE1333D-8A33-4674-98DB-52C522B29B7B}" type="datetimeFigureOut">
               <a:rPr lang="en-US" smtClean="0"/>
-              <a:t>10/1/2019</a:t>
+              <a:t>10/3/2019</a:t>
             </a:fld>
             <a:endParaRPr lang="en-US"/>
           </a:p>
@@ -657,7 +657,7 @@
           <a:p>
             <a:fld id="{BFE1333D-8A33-4674-98DB-52C522B29B7B}" type="datetimeFigureOut">
               <a:rPr lang="en-US" smtClean="0"/>
-              <a:t>10/1/2019</a:t>
+              <a:t>10/3/2019</a:t>
             </a:fld>
             <a:endParaRPr lang="en-US"/>
           </a:p>
@@ -825,7 +825,7 @@
           <a:p>
             <a:fld id="{BFE1333D-8A33-4674-98DB-52C522B29B7B}" type="datetimeFigureOut">
               <a:rPr lang="en-US" smtClean="0"/>
-              <a:t>10/1/2019</a:t>
+              <a:t>10/3/2019</a:t>
             </a:fld>
             <a:endParaRPr lang="en-US"/>
           </a:p>
@@ -1070,7 +1070,7 @@
           <a:p>
             <a:fld id="{BFE1333D-8A33-4674-98DB-52C522B29B7B}" type="datetimeFigureOut">
               <a:rPr lang="en-US" smtClean="0"/>
-              <a:t>10/1/2019</a:t>
+              <a:t>10/3/2019</a:t>
             </a:fld>
             <a:endParaRPr lang="en-US"/>
           </a:p>
@@ -1355,7 +1355,7 @@
           <a:p>
             <a:fld id="{BFE1333D-8A33-4674-98DB-52C522B29B7B}" type="datetimeFigureOut">
               <a:rPr lang="en-US" smtClean="0"/>
-              <a:t>10/1/2019</a:t>
+              <a:t>10/3/2019</a:t>
             </a:fld>
             <a:endParaRPr lang="en-US"/>
           </a:p>
@@ -1774,7 +1774,7 @@
           <a:p>
             <a:fld id="{BFE1333D-8A33-4674-98DB-52C522B29B7B}" type="datetimeFigureOut">
               <a:rPr lang="en-US" smtClean="0"/>
-              <a:t>10/1/2019</a:t>
+              <a:t>10/3/2019</a:t>
             </a:fld>
             <a:endParaRPr lang="en-US"/>
           </a:p>
@@ -1891,7 +1891,7 @@
           <a:p>
             <a:fld id="{BFE1333D-8A33-4674-98DB-52C522B29B7B}" type="datetimeFigureOut">
               <a:rPr lang="en-US" smtClean="0"/>
-              <a:t>10/1/2019</a:t>
+              <a:t>10/3/2019</a:t>
             </a:fld>
             <a:endParaRPr lang="en-US"/>
           </a:p>
@@ -1986,7 +1986,7 @@
           <a:p>
             <a:fld id="{BFE1333D-8A33-4674-98DB-52C522B29B7B}" type="datetimeFigureOut">
               <a:rPr lang="en-US" smtClean="0"/>
-              <a:t>10/1/2019</a:t>
+              <a:t>10/3/2019</a:t>
             </a:fld>
             <a:endParaRPr lang="en-US"/>
           </a:p>
@@ -2261,7 +2261,7 @@
           <a:p>
             <a:fld id="{BFE1333D-8A33-4674-98DB-52C522B29B7B}" type="datetimeFigureOut">
               <a:rPr lang="en-US" smtClean="0"/>
-              <a:t>10/1/2019</a:t>
+              <a:t>10/3/2019</a:t>
             </a:fld>
             <a:endParaRPr lang="en-US"/>
           </a:p>
@@ -2513,7 +2513,7 @@
           <a:p>
             <a:fld id="{BFE1333D-8A33-4674-98DB-52C522B29B7B}" type="datetimeFigureOut">
               <a:rPr lang="en-US" smtClean="0"/>
-              <a:t>10/1/2019</a:t>
+              <a:t>10/3/2019</a:t>
             </a:fld>
             <a:endParaRPr lang="en-US"/>
           </a:p>
@@ -2724,7 +2724,7 @@
           <a:p>
             <a:fld id="{BFE1333D-8A33-4674-98DB-52C522B29B7B}" type="datetimeFigureOut">
               <a:rPr lang="en-US" smtClean="0"/>
-              <a:t>10/1/2019</a:t>
+              <a:t>10/3/2019</a:t>
             </a:fld>
             <a:endParaRPr lang="en-US"/>
           </a:p>
@@ -5728,7 +5728,7 @@
           <p:cNvPr id="15" name="Content Placeholder 14">
             <a:extLst>
               <a:ext uri="{FF2B5EF4-FFF2-40B4-BE49-F238E27FC236}">
-                <a16:creationId xmlns="" xmlns:a16="http://schemas.microsoft.com/office/drawing/2014/main" id="{AA487297-B9BD-49CF-AF17-7877FA481B5E}"/>
+                <a16:creationId xmlns:a16="http://schemas.microsoft.com/office/drawing/2014/main" xmlns="" id="{AA487297-B9BD-49CF-AF17-7877FA481B5E}"/>
               </a:ext>
             </a:extLst>
           </p:cNvPr>
@@ -5793,7 +5793,7 @@
           <p:cNvPr id="2" name="Title 1">
             <a:extLst>
               <a:ext uri="{FF2B5EF4-FFF2-40B4-BE49-F238E27FC236}">
-                <a16:creationId xmlns="" xmlns:a16="http://schemas.microsoft.com/office/drawing/2014/main" id="{C002A959-F728-4DE8-87E5-1B3E9E42E5F9}"/>
+                <a16:creationId xmlns:a16="http://schemas.microsoft.com/office/drawing/2014/main" xmlns="" id="{C002A959-F728-4DE8-87E5-1B3E9E42E5F9}"/>
               </a:ext>
             </a:extLst>
           </p:cNvPr>
@@ -5823,7 +5823,7 @@
           <p:cNvPr id="5" name="Content Placeholder 4">
             <a:extLst>
               <a:ext uri="{FF2B5EF4-FFF2-40B4-BE49-F238E27FC236}">
-                <a16:creationId xmlns="" xmlns:a16="http://schemas.microsoft.com/office/drawing/2014/main" id="{2E70E514-57F8-4336-8007-46FE5CB05562}"/>
+                <a16:creationId xmlns:a16="http://schemas.microsoft.com/office/drawing/2014/main" xmlns="" id="{2E70E514-57F8-4336-8007-46FE5CB05562}"/>
               </a:ext>
             </a:extLst>
           </p:cNvPr>
@@ -5858,7 +5858,7 @@
           <p:cNvPr id="6" name="TextBox 5">
             <a:extLst>
               <a:ext uri="{FF2B5EF4-FFF2-40B4-BE49-F238E27FC236}">
-                <a16:creationId xmlns="" xmlns:a16="http://schemas.microsoft.com/office/drawing/2014/main" id="{22C6F401-75FA-47CA-A4D9-D731DD44D0BC}"/>
+                <a16:creationId xmlns:a16="http://schemas.microsoft.com/office/drawing/2014/main" xmlns="" id="{22C6F401-75FA-47CA-A4D9-D731DD44D0BC}"/>
               </a:ext>
             </a:extLst>
           </p:cNvPr>
@@ -5893,7 +5893,7 @@
           <p:cNvPr id="7" name="TextBox 6">
             <a:extLst>
               <a:ext uri="{FF2B5EF4-FFF2-40B4-BE49-F238E27FC236}">
-                <a16:creationId xmlns="" xmlns:a16="http://schemas.microsoft.com/office/drawing/2014/main" id="{C53183FF-09E9-4FD2-859E-58799B8CE59F}"/>
+                <a16:creationId xmlns:a16="http://schemas.microsoft.com/office/drawing/2014/main" xmlns="" id="{C53183FF-09E9-4FD2-859E-58799B8CE59F}"/>
               </a:ext>
             </a:extLst>
           </p:cNvPr>
@@ -5928,7 +5928,7 @@
           <p:cNvPr id="8" name="TextBox 7">
             <a:extLst>
               <a:ext uri="{FF2B5EF4-FFF2-40B4-BE49-F238E27FC236}">
-                <a16:creationId xmlns="" xmlns:a16="http://schemas.microsoft.com/office/drawing/2014/main" id="{A4C9C94B-1A5B-433D-9F2C-EDBF55536D10}"/>
+                <a16:creationId xmlns:a16="http://schemas.microsoft.com/office/drawing/2014/main" xmlns="" id="{A4C9C94B-1A5B-433D-9F2C-EDBF55536D10}"/>
               </a:ext>
             </a:extLst>
           </p:cNvPr>
@@ -5963,7 +5963,7 @@
           <p:cNvPr id="9" name="TextBox 8">
             <a:extLst>
               <a:ext uri="{FF2B5EF4-FFF2-40B4-BE49-F238E27FC236}">
-                <a16:creationId xmlns="" xmlns:a16="http://schemas.microsoft.com/office/drawing/2014/main" id="{F5F2827E-AB95-48CD-A560-1961358BEA67}"/>
+                <a16:creationId xmlns:a16="http://schemas.microsoft.com/office/drawing/2014/main" xmlns="" id="{F5F2827E-AB95-48CD-A560-1961358BEA67}"/>
               </a:ext>
             </a:extLst>
           </p:cNvPr>
@@ -5998,7 +5998,7 @@
           <p:cNvPr id="10" name="TextBox 9">
             <a:extLst>
               <a:ext uri="{FF2B5EF4-FFF2-40B4-BE49-F238E27FC236}">
-                <a16:creationId xmlns="" xmlns:a16="http://schemas.microsoft.com/office/drawing/2014/main" id="{5BB47F4B-236E-4573-AC01-219E454A02B0}"/>
+                <a16:creationId xmlns:a16="http://schemas.microsoft.com/office/drawing/2014/main" xmlns="" id="{5BB47F4B-236E-4573-AC01-219E454A02B0}"/>
               </a:ext>
             </a:extLst>
           </p:cNvPr>
@@ -6033,7 +6033,7 @@
           <p:cNvPr id="11" name="TextBox 10">
             <a:extLst>
               <a:ext uri="{FF2B5EF4-FFF2-40B4-BE49-F238E27FC236}">
-                <a16:creationId xmlns="" xmlns:a16="http://schemas.microsoft.com/office/drawing/2014/main" id="{CF4B7C18-E4D7-465A-A695-6478E7BAE011}"/>
+                <a16:creationId xmlns:a16="http://schemas.microsoft.com/office/drawing/2014/main" xmlns="" id="{CF4B7C18-E4D7-465A-A695-6478E7BAE011}"/>
               </a:ext>
             </a:extLst>
           </p:cNvPr>
@@ -6068,7 +6068,7 @@
           <p:cNvPr id="12" name="TextBox 11">
             <a:extLst>
               <a:ext uri="{FF2B5EF4-FFF2-40B4-BE49-F238E27FC236}">
-                <a16:creationId xmlns="" xmlns:a16="http://schemas.microsoft.com/office/drawing/2014/main" id="{4B21C4DB-26C5-48A1-8A11-FA4B747919F3}"/>
+                <a16:creationId xmlns:a16="http://schemas.microsoft.com/office/drawing/2014/main" xmlns="" id="{4B21C4DB-26C5-48A1-8A11-FA4B747919F3}"/>
               </a:ext>
             </a:extLst>
           </p:cNvPr>
@@ -6103,7 +6103,7 @@
           <p:cNvPr id="13" name="TextBox 12">
             <a:extLst>
               <a:ext uri="{FF2B5EF4-FFF2-40B4-BE49-F238E27FC236}">
-                <a16:creationId xmlns="" xmlns:a16="http://schemas.microsoft.com/office/drawing/2014/main" id="{809E4C4C-87FC-4F9B-92F1-B717B210B47F}"/>
+                <a16:creationId xmlns:a16="http://schemas.microsoft.com/office/drawing/2014/main" xmlns="" id="{809E4C4C-87FC-4F9B-92F1-B717B210B47F}"/>
               </a:ext>
             </a:extLst>
           </p:cNvPr>
@@ -6138,7 +6138,7 @@
           <p:cNvPr id="14" name="Oval 13">
             <a:extLst>
               <a:ext uri="{FF2B5EF4-FFF2-40B4-BE49-F238E27FC236}">
-                <a16:creationId xmlns="" xmlns:a16="http://schemas.microsoft.com/office/drawing/2014/main" id="{59700AE2-81B8-4A26-809E-093E3AFECABC}"/>
+                <a16:creationId xmlns:a16="http://schemas.microsoft.com/office/drawing/2014/main" xmlns="" id="{59700AE2-81B8-4A26-809E-093E3AFECABC}"/>
               </a:ext>
             </a:extLst>
           </p:cNvPr>
@@ -6186,7 +6186,7 @@
           <p:cNvPr id="15" name="Oval 14">
             <a:extLst>
               <a:ext uri="{FF2B5EF4-FFF2-40B4-BE49-F238E27FC236}">
-                <a16:creationId xmlns="" xmlns:a16="http://schemas.microsoft.com/office/drawing/2014/main" id="{F1A620E8-6757-437D-B200-8E306675B3FD}"/>
+                <a16:creationId xmlns:a16="http://schemas.microsoft.com/office/drawing/2014/main" xmlns="" id="{F1A620E8-6757-437D-B200-8E306675B3FD}"/>
               </a:ext>
             </a:extLst>
           </p:cNvPr>
@@ -6238,7 +6238,7 @@
           <p:cNvPr id="35" name="Picture 34">
             <a:extLst>
               <a:ext uri="{FF2B5EF4-FFF2-40B4-BE49-F238E27FC236}">
-                <a16:creationId xmlns="" xmlns:a16="http://schemas.microsoft.com/office/drawing/2014/main" id="{113CE1AC-45DC-4D9A-96A7-BBC58D7E3DEC}"/>
+                <a16:creationId xmlns:a16="http://schemas.microsoft.com/office/drawing/2014/main" xmlns="" id="{113CE1AC-45DC-4D9A-96A7-BBC58D7E3DEC}"/>
               </a:ext>
             </a:extLst>
           </p:cNvPr>
@@ -6314,7 +6314,7 @@
           <p:cNvPr id="2" name="Title 1">
             <a:extLst>
               <a:ext uri="{FF2B5EF4-FFF2-40B4-BE49-F238E27FC236}">
-                <a16:creationId xmlns="" xmlns:a16="http://schemas.microsoft.com/office/drawing/2014/main" id="{9022F265-5EB6-4703-B20C-0FB4BF49FAA8}"/>
+                <a16:creationId xmlns:a16="http://schemas.microsoft.com/office/drawing/2014/main" xmlns="" id="{9022F265-5EB6-4703-B20C-0FB4BF49FAA8}"/>
               </a:ext>
             </a:extLst>
           </p:cNvPr>
@@ -6339,7 +6339,7 @@
           <p:cNvPr id="7" name="Picture 6">
             <a:extLst>
               <a:ext uri="{FF2B5EF4-FFF2-40B4-BE49-F238E27FC236}">
-                <a16:creationId xmlns="" xmlns:a16="http://schemas.microsoft.com/office/drawing/2014/main" id="{C077709A-E03A-4AE4-A9AA-9D068215B3AC}"/>
+                <a16:creationId xmlns:a16="http://schemas.microsoft.com/office/drawing/2014/main" xmlns="" id="{C077709A-E03A-4AE4-A9AA-9D068215B3AC}"/>
               </a:ext>
             </a:extLst>
           </p:cNvPr>
@@ -6362,7 +6362,7 @@
         </p:blipFill>
         <p:spPr>
           <a:xfrm>
-            <a:off x="5867400" y="1775603"/>
+            <a:off x="2590800" y="1524000"/>
             <a:ext cx="1236485" cy="4533122"/>
           </a:xfrm>
           <a:prstGeom prst="rect">
@@ -6372,26 +6372,93 @@
       </p:pic>
       <p:sp>
         <p:nvSpPr>
-          <p:cNvPr id="9" name="Content Placeholder 8">
-            <a:extLst>
-              <a:ext uri="{FF2B5EF4-FFF2-40B4-BE49-F238E27FC236}">
-                <a16:creationId xmlns="" xmlns:a16="http://schemas.microsoft.com/office/drawing/2014/main" id="{0693E9A9-0618-4107-B5C5-B0B596F91040}"/>
-              </a:ext>
-            </a:extLst>
-          </p:cNvPr>
-          <p:cNvSpPr>
-            <a:spLocks noGrp="1"/>
-          </p:cNvSpPr>
-          <p:nvPr>
-            <p:ph idx="1"/>
-          </p:nvPr>
-        </p:nvSpPr>
-        <p:spPr/>
-        <p:txBody>
-          <a:bodyPr/>
-          <a:lstStyle/>
-          <a:p>
-            <a:endParaRPr lang="en-US" dirty="0"/>
+          <p:cNvPr id="3" name="TextBox 2"/>
+          <p:cNvSpPr txBox="1"/>
+          <p:nvPr/>
+        </p:nvSpPr>
+        <p:spPr>
+          <a:xfrm rot="16200000">
+            <a:off x="1480810" y="3014990"/>
+            <a:ext cx="3200400" cy="523220"/>
+          </a:xfrm>
+          <a:prstGeom prst="rect">
+            <a:avLst/>
+          </a:prstGeom>
+          <a:noFill/>
+        </p:spPr>
+        <p:txBody>
+          <a:bodyPr wrap="square" rtlCol="0">
+            <a:spAutoFit/>
+          </a:bodyPr>
+          <a:lstStyle/>
+          <a:p>
+            <a:r>
+              <a:rPr lang="en-US" sz="2800" dirty="0" smtClean="0"/>
+              <a:t>Range &amp; theta</a:t>
+            </a:r>
+            <a:endParaRPr lang="en-US" sz="2800" dirty="0"/>
+          </a:p>
+        </p:txBody>
+      </p:sp>
+      <p:sp>
+        <p:nvSpPr>
+          <p:cNvPr id="4" name="TextBox 3"/>
+          <p:cNvSpPr txBox="1"/>
+          <p:nvPr/>
+        </p:nvSpPr>
+        <p:spPr>
+          <a:xfrm>
+            <a:off x="4419600" y="5257800"/>
+            <a:ext cx="301686" cy="369332"/>
+          </a:xfrm>
+          <a:prstGeom prst="rect">
+            <a:avLst/>
+          </a:prstGeom>
+          <a:noFill/>
+        </p:spPr>
+        <p:txBody>
+          <a:bodyPr wrap="none" rtlCol="0">
+            <a:spAutoFit/>
+          </a:bodyPr>
+          <a:lstStyle/>
+          <a:p>
+            <a:r>
+              <a:rPr lang="en-US" dirty="0">
+                <a:latin typeface="Cambria Math" panose="02040503050406030204" pitchFamily="18" charset="0"/>
+                <a:ea typeface="Cambria Math" panose="02040503050406030204" pitchFamily="18" charset="0"/>
+              </a:rPr>
+              <a:t>v</a:t>
+            </a:r>
+          </a:p>
+        </p:txBody>
+      </p:sp>
+      <p:sp>
+        <p:nvSpPr>
+          <p:cNvPr id="5" name="TextBox 4"/>
+          <p:cNvSpPr txBox="1"/>
+          <p:nvPr/>
+        </p:nvSpPr>
+        <p:spPr>
+          <a:xfrm>
+            <a:off x="4953000" y="2971800"/>
+            <a:ext cx="288862" cy="369332"/>
+          </a:xfrm>
+          <a:prstGeom prst="rect">
+            <a:avLst/>
+          </a:prstGeom>
+          <a:noFill/>
+        </p:spPr>
+        <p:txBody>
+          <a:bodyPr wrap="none" rtlCol="0">
+            <a:spAutoFit/>
+          </a:bodyPr>
+          <a:lstStyle/>
+          <a:p>
+            <a:r>
+              <a:rPr lang="en-US" smtClean="0"/>
+              <a:t>y</a:t>
+            </a:r>
+            <a:endParaRPr lang="en-US"/>
           </a:p>
         </p:txBody>
       </p:sp>
@@ -6430,7 +6497,7 @@
           <p:cNvPr id="2" name="Title 1">
             <a:extLst>
               <a:ext uri="{FF2B5EF4-FFF2-40B4-BE49-F238E27FC236}">
-                <a16:creationId xmlns="" xmlns:a16="http://schemas.microsoft.com/office/drawing/2014/main" id="{848FC86F-2B51-4635-8B16-D7BDC121FEAC}"/>
+                <a16:creationId xmlns:a16="http://schemas.microsoft.com/office/drawing/2014/main" xmlns="" id="{848FC86F-2B51-4635-8B16-D7BDC121FEAC}"/>
               </a:ext>
             </a:extLst>
           </p:cNvPr>

--- a/Thesis/Presentation.pptx
+++ b/Thesis/Presentation.pptx
@@ -6330,7 +6330,7 @@
           <a:bodyPr/>
           <a:lstStyle/>
           <a:p>
-            <a:endParaRPr lang="en-US"/>
+            <a:endParaRPr lang="en-US" dirty="0"/>
           </a:p>
         </p:txBody>
       </p:sp>
@@ -6408,7 +6408,7 @@
         </p:nvSpPr>
         <p:spPr>
           <a:xfrm>
-            <a:off x="4419600" y="5257800"/>
+            <a:off x="2930166" y="5621623"/>
             <a:ext cx="301686" cy="369332"/>
           </a:xfrm>
           <a:prstGeom prst="rect">
@@ -6423,7 +6423,7 @@
           <a:lstStyle/>
           <a:p>
             <a:r>
-              <a:rPr lang="en-US" dirty="0">
+              <a:rPr lang="en-US" i="1" dirty="0">
                 <a:latin typeface="Cambria Math" panose="02040503050406030204" pitchFamily="18" charset="0"/>
                 <a:ea typeface="Cambria Math" panose="02040503050406030204" pitchFamily="18" charset="0"/>
               </a:rPr>
@@ -6440,8 +6440,8 @@
         </p:nvSpPr>
         <p:spPr>
           <a:xfrm>
-            <a:off x="4953000" y="2971800"/>
-            <a:ext cx="288862" cy="369332"/>
+            <a:off x="2930166" y="5794152"/>
+            <a:ext cx="301686" cy="369332"/>
           </a:xfrm>
           <a:prstGeom prst="rect">
             <a:avLst/>
@@ -6455,10 +6455,16 @@
           <a:lstStyle/>
           <a:p>
             <a:r>
-              <a:rPr lang="en-US" smtClean="0"/>
+              <a:rPr lang="en-US" i="1" dirty="0">
+                <a:latin typeface="Cambria Math" panose="02040503050406030204" pitchFamily="18" charset="0"/>
+                <a:ea typeface="Cambria Math" panose="02040503050406030204" pitchFamily="18" charset="0"/>
+              </a:rPr>
               <a:t>y</a:t>
             </a:r>
-            <a:endParaRPr lang="en-US"/>
+            <a:endParaRPr lang="en-US" i="1" dirty="0" smtClean="0">
+              <a:latin typeface="Cambria Math" panose="02040503050406030204" pitchFamily="18" charset="0"/>
+              <a:ea typeface="Cambria Math" panose="02040503050406030204" pitchFamily="18" charset="0"/>
+            </a:endParaRPr>
           </a:p>
         </p:txBody>
       </p:sp>
